--- a/floris_files/other/Predicting Dyslexia [Floris].pptx
+++ b/floris_files/other/Predicting Dyslexia [Floris].pptx
@@ -2222,7 +2222,7 @@
                 <a14:useLocalDpi xmlns:a14="http://schemas.microsoft.com/office/drawing/2010/main" val="0"/>
               </a:ext>
               <a:ext uri="{96DAC541-7B7A-43D3-8B79-37D633B846F1}">
-                <asvg:svgBlip xmlns:asvg="http://schemas.microsoft.com/office/drawing/2016/SVG/main" xmlns="" r:embed="rId2"/>
+                <asvg:svgBlip xmlns="" xmlns:asvg="http://schemas.microsoft.com/office/drawing/2016/SVG/main" r:embed="rId2"/>
               </a:ext>
             </a:extLst>
           </a:blip>
@@ -2296,7 +2296,7 @@
                 <a14:useLocalDpi xmlns:a14="http://schemas.microsoft.com/office/drawing/2010/main" val="0"/>
               </a:ext>
               <a:ext uri="{96DAC541-7B7A-43D3-8B79-37D633B846F1}">
-                <asvg:svgBlip xmlns:asvg="http://schemas.microsoft.com/office/drawing/2016/SVG/main" xmlns="" r:embed="rId4"/>
+                <asvg:svgBlip xmlns="" xmlns:asvg="http://schemas.microsoft.com/office/drawing/2016/SVG/main" r:embed="rId4"/>
               </a:ext>
             </a:extLst>
           </a:blip>
@@ -2370,7 +2370,7 @@
                 <a14:useLocalDpi xmlns:a14="http://schemas.microsoft.com/office/drawing/2010/main" val="0"/>
               </a:ext>
               <a:ext uri="{96DAC541-7B7A-43D3-8B79-37D633B846F1}">
-                <asvg:svgBlip xmlns:asvg="http://schemas.microsoft.com/office/drawing/2016/SVG/main" xmlns="" r:embed="rId6"/>
+                <asvg:svgBlip xmlns="" xmlns:asvg="http://schemas.microsoft.com/office/drawing/2016/SVG/main" r:embed="rId6"/>
               </a:ext>
             </a:extLst>
           </a:blip>
@@ -2444,7 +2444,7 @@
                 <a14:useLocalDpi xmlns:a14="http://schemas.microsoft.com/office/drawing/2010/main" val="0"/>
               </a:ext>
               <a:ext uri="{96DAC541-7B7A-43D3-8B79-37D633B846F1}">
-                <asvg:svgBlip xmlns:asvg="http://schemas.microsoft.com/office/drawing/2016/SVG/main" xmlns="" r:embed="rId8"/>
+                <asvg:svgBlip xmlns="" xmlns:asvg="http://schemas.microsoft.com/office/drawing/2016/SVG/main" r:embed="rId8"/>
               </a:ext>
             </a:extLst>
           </a:blip>
@@ -3164,7 +3164,7 @@
                 <a14:useLocalDpi xmlns:a14="http://schemas.microsoft.com/office/drawing/2010/main" val="0"/>
               </a:ext>
               <a:ext uri="{96DAC541-7B7A-43D3-8B79-37D633B846F1}">
-                <asvg:svgBlip xmlns:asvg="http://schemas.microsoft.com/office/drawing/2016/SVG/main" xmlns="" r:embed="rId2"/>
+                <asvg:svgBlip xmlns="" xmlns:asvg="http://schemas.microsoft.com/office/drawing/2016/SVG/main" r:embed="rId2"/>
               </a:ext>
             </a:extLst>
           </a:blip>
@@ -3318,7 +3318,7 @@
                 <a14:useLocalDpi xmlns:a14="http://schemas.microsoft.com/office/drawing/2010/main" val="0"/>
               </a:ext>
               <a:ext uri="{96DAC541-7B7A-43D3-8B79-37D633B846F1}">
-                <asvg:svgBlip xmlns:asvg="http://schemas.microsoft.com/office/drawing/2016/SVG/main" xmlns="" r:embed="rId4"/>
+                <asvg:svgBlip xmlns="" xmlns:asvg="http://schemas.microsoft.com/office/drawing/2016/SVG/main" r:embed="rId4"/>
               </a:ext>
             </a:extLst>
           </a:blip>
@@ -3467,7 +3467,7 @@
                 <a14:useLocalDpi xmlns:a14="http://schemas.microsoft.com/office/drawing/2010/main" val="0"/>
               </a:ext>
               <a:ext uri="{96DAC541-7B7A-43D3-8B79-37D633B846F1}">
-                <asvg:svgBlip xmlns:asvg="http://schemas.microsoft.com/office/drawing/2016/SVG/main" xmlns="" r:embed="rId6"/>
+                <asvg:svgBlip xmlns="" xmlns:asvg="http://schemas.microsoft.com/office/drawing/2016/SVG/main" r:embed="rId6"/>
               </a:ext>
             </a:extLst>
           </a:blip>
@@ -3616,7 +3616,7 @@
                 <a14:useLocalDpi xmlns:a14="http://schemas.microsoft.com/office/drawing/2010/main" val="0"/>
               </a:ext>
               <a:ext uri="{96DAC541-7B7A-43D3-8B79-37D633B846F1}">
-                <asvg:svgBlip xmlns:asvg="http://schemas.microsoft.com/office/drawing/2016/SVG/main" xmlns="" r:embed="rId8"/>
+                <asvg:svgBlip xmlns="" xmlns:asvg="http://schemas.microsoft.com/office/drawing/2016/SVG/main" r:embed="rId8"/>
               </a:ext>
             </a:extLst>
           </a:blip>
@@ -5188,7 +5188,7 @@
   </dgm:layoutNode>
   <dgm:extLst>
     <a:ext uri="{68A01E43-0DF5-4B5B-8FA6-DAF915123BFB}">
-      <dgm1612:lstStyle xmlns:dgm1612="http://schemas.microsoft.com/office/drawing/2016/12/diagram" xmlns="">
+      <dgm1612:lstStyle xmlns="" xmlns:dgm1612="http://schemas.microsoft.com/office/drawing/2016/12/diagram">
         <a:lvl1pPr>
           <a:lnSpc>
             <a:spcPct val="100000"/>
@@ -7290,7 +7290,7 @@
           <p:cNvPr id="7" name="Graphic 1" descr="Tag=AccentColor&#10;Flavor=Light&#10;Target=Fill">
             <a:extLst>
               <a:ext uri="{FF2B5EF4-FFF2-40B4-BE49-F238E27FC236}">
-                <a16:creationId xmlns:a16="http://schemas.microsoft.com/office/drawing/2014/main" xmlns="" id="{0D57E7FA-E8FC-45AC-868F-CDC8144939D6}"/>
+                <a16:creationId xmlns="" xmlns:a16="http://schemas.microsoft.com/office/drawing/2014/main" id="{0D57E7FA-E8FC-45AC-868F-CDC8144939D6}"/>
               </a:ext>
             </a:extLst>
           </p:cNvPr>
@@ -9486,7 +9486,7 @@
           <p:cNvPr id="2" name="Title 1">
             <a:extLst>
               <a:ext uri="{FF2B5EF4-FFF2-40B4-BE49-F238E27FC236}">
-                <a16:creationId xmlns:a16="http://schemas.microsoft.com/office/drawing/2014/main" xmlns="" id="{807094A5-EB6F-441D-88F8-CD7A30C84707}"/>
+                <a16:creationId xmlns="" xmlns:a16="http://schemas.microsoft.com/office/drawing/2014/main" id="{807094A5-EB6F-441D-88F8-CD7A30C84707}"/>
               </a:ext>
             </a:extLst>
           </p:cNvPr>
@@ -9526,7 +9526,7 @@
           <p:cNvPr id="3" name="Subtitle 2">
             <a:extLst>
               <a:ext uri="{FF2B5EF4-FFF2-40B4-BE49-F238E27FC236}">
-                <a16:creationId xmlns:a16="http://schemas.microsoft.com/office/drawing/2014/main" xmlns="" id="{1C7CE1E3-3929-42A6-81B7-056BD88EF353}"/>
+                <a16:creationId xmlns="" xmlns:a16="http://schemas.microsoft.com/office/drawing/2014/main" id="{1C7CE1E3-3929-42A6-81B7-056BD88EF353}"/>
               </a:ext>
             </a:extLst>
           </p:cNvPr>
@@ -9597,7 +9597,7 @@
           <p:cNvPr id="4" name="Date Placeholder 3">
             <a:extLst>
               <a:ext uri="{FF2B5EF4-FFF2-40B4-BE49-F238E27FC236}">
-                <a16:creationId xmlns:a16="http://schemas.microsoft.com/office/drawing/2014/main" xmlns="" id="{5CE951E3-0794-422C-AF76-0AD4A7FB19EB}"/>
+                <a16:creationId xmlns="" xmlns:a16="http://schemas.microsoft.com/office/drawing/2014/main" id="{5CE951E3-0794-422C-AF76-0AD4A7FB19EB}"/>
               </a:ext>
             </a:extLst>
           </p:cNvPr>
@@ -9615,7 +9615,7 @@
           <a:p>
             <a:fld id="{3C04E684-10F4-4CC3-A0B9-F03AA7BE37CF}" type="datetimeFigureOut">
               <a:rPr lang="en-US" smtClean="0"/>
-              <a:t>6/7/2022</a:t>
+              <a:t>6/8/2022</a:t>
             </a:fld>
             <a:endParaRPr lang="en-US"/>
           </a:p>
@@ -9626,7 +9626,7 @@
           <p:cNvPr id="5" name="Footer Placeholder 4">
             <a:extLst>
               <a:ext uri="{FF2B5EF4-FFF2-40B4-BE49-F238E27FC236}">
-                <a16:creationId xmlns:a16="http://schemas.microsoft.com/office/drawing/2014/main" xmlns="" id="{114EBFA8-0291-4D77-A9D9-B17FC2382A80}"/>
+                <a16:creationId xmlns="" xmlns:a16="http://schemas.microsoft.com/office/drawing/2014/main" id="{114EBFA8-0291-4D77-A9D9-B17FC2382A80}"/>
               </a:ext>
             </a:extLst>
           </p:cNvPr>
@@ -9651,7 +9651,7 @@
           <p:cNvPr id="6" name="Slide Number Placeholder 5">
             <a:extLst>
               <a:ext uri="{FF2B5EF4-FFF2-40B4-BE49-F238E27FC236}">
-                <a16:creationId xmlns:a16="http://schemas.microsoft.com/office/drawing/2014/main" xmlns="" id="{357AC4D4-C4EE-4624-A329-C608A1D5AFE1}"/>
+                <a16:creationId xmlns="" xmlns:a16="http://schemas.microsoft.com/office/drawing/2014/main" id="{357AC4D4-C4EE-4624-A329-C608A1D5AFE1}"/>
               </a:ext>
             </a:extLst>
           </p:cNvPr>
@@ -9710,7 +9710,7 @@
           <p:cNvPr id="8" name="Graphic 1" descr="Tag=AccentColor&#10;Flavor=Light&#10;Target=Fill">
             <a:extLst>
               <a:ext uri="{FF2B5EF4-FFF2-40B4-BE49-F238E27FC236}">
-                <a16:creationId xmlns:a16="http://schemas.microsoft.com/office/drawing/2014/main" xmlns="" id="{0EE21C0F-70D8-4F3C-9392-07559C90EE6E}"/>
+                <a16:creationId xmlns="" xmlns:a16="http://schemas.microsoft.com/office/drawing/2014/main" id="{0EE21C0F-70D8-4F3C-9392-07559C90EE6E}"/>
               </a:ext>
             </a:extLst>
           </p:cNvPr>
@@ -11906,7 +11906,7 @@
           <p:cNvPr id="2" name="Title 1">
             <a:extLst>
               <a:ext uri="{FF2B5EF4-FFF2-40B4-BE49-F238E27FC236}">
-                <a16:creationId xmlns:a16="http://schemas.microsoft.com/office/drawing/2014/main" xmlns="" id="{48DB1DFE-8154-440D-93CF-FEF7860E897F}"/>
+                <a16:creationId xmlns="" xmlns:a16="http://schemas.microsoft.com/office/drawing/2014/main" id="{48DB1DFE-8154-440D-93CF-FEF7860E897F}"/>
               </a:ext>
             </a:extLst>
           </p:cNvPr>
@@ -11944,7 +11944,7 @@
           <p:cNvPr id="3" name="Picture Placeholder 2">
             <a:extLst>
               <a:ext uri="{FF2B5EF4-FFF2-40B4-BE49-F238E27FC236}">
-                <a16:creationId xmlns:a16="http://schemas.microsoft.com/office/drawing/2014/main" xmlns="" id="{9CD9D1F5-05CC-48F3-A314-315EF1703043}"/>
+                <a16:creationId xmlns="" xmlns:a16="http://schemas.microsoft.com/office/drawing/2014/main" id="{9CD9D1F5-05CC-48F3-A314-315EF1703043}"/>
               </a:ext>
             </a:extLst>
           </p:cNvPr>
@@ -12014,7 +12014,7 @@
           <p:cNvPr id="4" name="Text Placeholder 3">
             <a:extLst>
               <a:ext uri="{FF2B5EF4-FFF2-40B4-BE49-F238E27FC236}">
-                <a16:creationId xmlns:a16="http://schemas.microsoft.com/office/drawing/2014/main" xmlns="" id="{211807DE-1178-4BBB-89D8-9046239C2DE9}"/>
+                <a16:creationId xmlns="" xmlns:a16="http://schemas.microsoft.com/office/drawing/2014/main" id="{211807DE-1178-4BBB-89D8-9046239C2DE9}"/>
               </a:ext>
             </a:extLst>
           </p:cNvPr>
@@ -12087,7 +12087,7 @@
           <p:cNvPr id="5" name="Date Placeholder 4">
             <a:extLst>
               <a:ext uri="{FF2B5EF4-FFF2-40B4-BE49-F238E27FC236}">
-                <a16:creationId xmlns:a16="http://schemas.microsoft.com/office/drawing/2014/main" xmlns="" id="{3D48EA59-A1BC-48B7-9495-6D5C6035B14B}"/>
+                <a16:creationId xmlns="" xmlns:a16="http://schemas.microsoft.com/office/drawing/2014/main" id="{3D48EA59-A1BC-48B7-9495-6D5C6035B14B}"/>
               </a:ext>
             </a:extLst>
           </p:cNvPr>
@@ -12105,7 +12105,7 @@
           <a:p>
             <a:fld id="{3C04E684-10F4-4CC3-A0B9-F03AA7BE37CF}" type="datetimeFigureOut">
               <a:rPr lang="en-US" smtClean="0"/>
-              <a:t>6/7/2022</a:t>
+              <a:t>6/8/2022</a:t>
             </a:fld>
             <a:endParaRPr lang="en-US"/>
           </a:p>
@@ -12116,7 +12116,7 @@
           <p:cNvPr id="6" name="Footer Placeholder 5">
             <a:extLst>
               <a:ext uri="{FF2B5EF4-FFF2-40B4-BE49-F238E27FC236}">
-                <a16:creationId xmlns:a16="http://schemas.microsoft.com/office/drawing/2014/main" xmlns="" id="{49F85A72-B50F-440E-AAD3-53C099F6D9B6}"/>
+                <a16:creationId xmlns="" xmlns:a16="http://schemas.microsoft.com/office/drawing/2014/main" id="{49F85A72-B50F-440E-AAD3-53C099F6D9B6}"/>
               </a:ext>
             </a:extLst>
           </p:cNvPr>
@@ -12141,7 +12141,7 @@
           <p:cNvPr id="7" name="Slide Number Placeholder 6">
             <a:extLst>
               <a:ext uri="{FF2B5EF4-FFF2-40B4-BE49-F238E27FC236}">
-                <a16:creationId xmlns:a16="http://schemas.microsoft.com/office/drawing/2014/main" xmlns="" id="{72C2D00B-4207-4720-8C68-605CAFDD5CA2}"/>
+                <a16:creationId xmlns="" xmlns:a16="http://schemas.microsoft.com/office/drawing/2014/main" id="{72C2D00B-4207-4720-8C68-605CAFDD5CA2}"/>
               </a:ext>
             </a:extLst>
           </p:cNvPr>
@@ -12200,7 +12200,7 @@
           <p:cNvPr id="2" name="Title 1">
             <a:extLst>
               <a:ext uri="{FF2B5EF4-FFF2-40B4-BE49-F238E27FC236}">
-                <a16:creationId xmlns:a16="http://schemas.microsoft.com/office/drawing/2014/main" xmlns="" id="{101C888B-58B8-4428-8B1D-4E26FC5DD592}"/>
+                <a16:creationId xmlns="" xmlns:a16="http://schemas.microsoft.com/office/drawing/2014/main" id="{101C888B-58B8-4428-8B1D-4E26FC5DD592}"/>
               </a:ext>
             </a:extLst>
           </p:cNvPr>
@@ -12228,7 +12228,7 @@
           <p:cNvPr id="3" name="Vertical Text Placeholder 2">
             <a:extLst>
               <a:ext uri="{FF2B5EF4-FFF2-40B4-BE49-F238E27FC236}">
-                <a16:creationId xmlns:a16="http://schemas.microsoft.com/office/drawing/2014/main" xmlns="" id="{3314F67B-D516-42FA-A2CA-2DCD37CFE8D7}"/>
+                <a16:creationId xmlns="" xmlns:a16="http://schemas.microsoft.com/office/drawing/2014/main" id="{3314F67B-D516-42FA-A2CA-2DCD37CFE8D7}"/>
               </a:ext>
             </a:extLst>
           </p:cNvPr>
@@ -12285,7 +12285,7 @@
           <p:cNvPr id="4" name="Date Placeholder 3">
             <a:extLst>
               <a:ext uri="{FF2B5EF4-FFF2-40B4-BE49-F238E27FC236}">
-                <a16:creationId xmlns:a16="http://schemas.microsoft.com/office/drawing/2014/main" xmlns="" id="{F82BA5FF-4919-4FF8-9C04-06CE156B762F}"/>
+                <a16:creationId xmlns="" xmlns:a16="http://schemas.microsoft.com/office/drawing/2014/main" id="{F82BA5FF-4919-4FF8-9C04-06CE156B762F}"/>
               </a:ext>
             </a:extLst>
           </p:cNvPr>
@@ -12303,7 +12303,7 @@
           <a:p>
             <a:fld id="{3C04E684-10F4-4CC3-A0B9-F03AA7BE37CF}" type="datetimeFigureOut">
               <a:rPr lang="en-US" smtClean="0"/>
-              <a:t>6/7/2022</a:t>
+              <a:t>6/8/2022</a:t>
             </a:fld>
             <a:endParaRPr lang="en-US"/>
           </a:p>
@@ -12314,7 +12314,7 @@
           <p:cNvPr id="5" name="Footer Placeholder 4">
             <a:extLst>
               <a:ext uri="{FF2B5EF4-FFF2-40B4-BE49-F238E27FC236}">
-                <a16:creationId xmlns:a16="http://schemas.microsoft.com/office/drawing/2014/main" xmlns="" id="{CBEDA970-128E-4150-8E5A-A1B056E83502}"/>
+                <a16:creationId xmlns="" xmlns:a16="http://schemas.microsoft.com/office/drawing/2014/main" id="{CBEDA970-128E-4150-8E5A-A1B056E83502}"/>
               </a:ext>
             </a:extLst>
           </p:cNvPr>
@@ -12339,7 +12339,7 @@
           <p:cNvPr id="6" name="Slide Number Placeholder 5">
             <a:extLst>
               <a:ext uri="{FF2B5EF4-FFF2-40B4-BE49-F238E27FC236}">
-                <a16:creationId xmlns:a16="http://schemas.microsoft.com/office/drawing/2014/main" xmlns="" id="{EAEC6CD1-EE5E-42EF-B76D-BB803BA6AB5E}"/>
+                <a16:creationId xmlns="" xmlns:a16="http://schemas.microsoft.com/office/drawing/2014/main" id="{EAEC6CD1-EE5E-42EF-B76D-BB803BA6AB5E}"/>
               </a:ext>
             </a:extLst>
           </p:cNvPr>
@@ -12398,7 +12398,7 @@
           <p:cNvPr id="2" name="Vertical Title 1">
             <a:extLst>
               <a:ext uri="{FF2B5EF4-FFF2-40B4-BE49-F238E27FC236}">
-                <a16:creationId xmlns:a16="http://schemas.microsoft.com/office/drawing/2014/main" xmlns="" id="{550C2A1B-34CA-4877-9435-D77DF325757F}"/>
+                <a16:creationId xmlns="" xmlns:a16="http://schemas.microsoft.com/office/drawing/2014/main" id="{550C2A1B-34CA-4877-9435-D77DF325757F}"/>
               </a:ext>
             </a:extLst>
           </p:cNvPr>
@@ -12431,7 +12431,7 @@
           <p:cNvPr id="3" name="Vertical Text Placeholder 2">
             <a:extLst>
               <a:ext uri="{FF2B5EF4-FFF2-40B4-BE49-F238E27FC236}">
-                <a16:creationId xmlns:a16="http://schemas.microsoft.com/office/drawing/2014/main" xmlns="" id="{4F255E5E-4A81-44CC-8D99-F56E625D4632}"/>
+                <a16:creationId xmlns="" xmlns:a16="http://schemas.microsoft.com/office/drawing/2014/main" id="{4F255E5E-4A81-44CC-8D99-F56E625D4632}"/>
               </a:ext>
             </a:extLst>
           </p:cNvPr>
@@ -12493,7 +12493,7 @@
           <p:cNvPr id="4" name="Date Placeholder 3">
             <a:extLst>
               <a:ext uri="{FF2B5EF4-FFF2-40B4-BE49-F238E27FC236}">
-                <a16:creationId xmlns:a16="http://schemas.microsoft.com/office/drawing/2014/main" xmlns="" id="{819CEECF-A221-4ECC-AD9C-E197D516D24C}"/>
+                <a16:creationId xmlns="" xmlns:a16="http://schemas.microsoft.com/office/drawing/2014/main" id="{819CEECF-A221-4ECC-AD9C-E197D516D24C}"/>
               </a:ext>
             </a:extLst>
           </p:cNvPr>
@@ -12511,7 +12511,7 @@
           <a:p>
             <a:fld id="{3C04E684-10F4-4CC3-A0B9-F03AA7BE37CF}" type="datetimeFigureOut">
               <a:rPr lang="en-US" smtClean="0"/>
-              <a:t>6/7/2022</a:t>
+              <a:t>6/8/2022</a:t>
             </a:fld>
             <a:endParaRPr lang="en-US"/>
           </a:p>
@@ -12522,7 +12522,7 @@
           <p:cNvPr id="5" name="Footer Placeholder 4">
             <a:extLst>
               <a:ext uri="{FF2B5EF4-FFF2-40B4-BE49-F238E27FC236}">
-                <a16:creationId xmlns:a16="http://schemas.microsoft.com/office/drawing/2014/main" xmlns="" id="{018F41AE-0DDE-49ED-9F0C-E0E16F599A0E}"/>
+                <a16:creationId xmlns="" xmlns:a16="http://schemas.microsoft.com/office/drawing/2014/main" id="{018F41AE-0DDE-49ED-9F0C-E0E16F599A0E}"/>
               </a:ext>
             </a:extLst>
           </p:cNvPr>
@@ -12547,7 +12547,7 @@
           <p:cNvPr id="6" name="Slide Number Placeholder 5">
             <a:extLst>
               <a:ext uri="{FF2B5EF4-FFF2-40B4-BE49-F238E27FC236}">
-                <a16:creationId xmlns:a16="http://schemas.microsoft.com/office/drawing/2014/main" xmlns="" id="{B7B47FB7-77F0-4C43-B81E-D04B31C953DA}"/>
+                <a16:creationId xmlns="" xmlns:a16="http://schemas.microsoft.com/office/drawing/2014/main" id="{B7B47FB7-77F0-4C43-B81E-D04B31C953DA}"/>
               </a:ext>
             </a:extLst>
           </p:cNvPr>
@@ -12715,7 +12715,7 @@
           <a:p>
             <a:fld id="{3C04E684-10F4-4CC3-A0B9-F03AA7BE37CF}" type="datetimeFigureOut">
               <a:rPr lang="en-US" smtClean="0"/>
-              <a:t>6/7/2022</a:t>
+              <a:t>6/8/2022</a:t>
             </a:fld>
             <a:endParaRPr lang="en-US"/>
           </a:p>
@@ -12885,7 +12885,7 @@
           <a:p>
             <a:fld id="{3C04E684-10F4-4CC3-A0B9-F03AA7BE37CF}" type="datetimeFigureOut">
               <a:rPr lang="en-US" smtClean="0"/>
-              <a:t>6/7/2022</a:t>
+              <a:t>6/8/2022</a:t>
             </a:fld>
             <a:endParaRPr lang="en-US"/>
           </a:p>
@@ -13131,7 +13131,7 @@
           <a:p>
             <a:fld id="{3C04E684-10F4-4CC3-A0B9-F03AA7BE37CF}" type="datetimeFigureOut">
               <a:rPr lang="en-US" smtClean="0"/>
-              <a:t>6/7/2022</a:t>
+              <a:t>6/8/2022</a:t>
             </a:fld>
             <a:endParaRPr lang="en-US"/>
           </a:p>
@@ -13363,7 +13363,7 @@
           <a:p>
             <a:fld id="{3C04E684-10F4-4CC3-A0B9-F03AA7BE37CF}" type="datetimeFigureOut">
               <a:rPr lang="en-US" smtClean="0"/>
-              <a:t>6/7/2022</a:t>
+              <a:t>6/8/2022</a:t>
             </a:fld>
             <a:endParaRPr lang="en-US"/>
           </a:p>
@@ -13730,7 +13730,7 @@
           <a:p>
             <a:fld id="{3C04E684-10F4-4CC3-A0B9-F03AA7BE37CF}" type="datetimeFigureOut">
               <a:rPr lang="en-US" smtClean="0"/>
-              <a:t>6/7/2022</a:t>
+              <a:t>6/8/2022</a:t>
             </a:fld>
             <a:endParaRPr lang="en-US"/>
           </a:p>
@@ -13848,7 +13848,7 @@
           <a:p>
             <a:fld id="{3C04E684-10F4-4CC3-A0B9-F03AA7BE37CF}" type="datetimeFigureOut">
               <a:rPr lang="en-US" smtClean="0"/>
-              <a:t>6/7/2022</a:t>
+              <a:t>6/8/2022</a:t>
             </a:fld>
             <a:endParaRPr lang="en-US"/>
           </a:p>
@@ -13943,7 +13943,7 @@
           <a:p>
             <a:fld id="{3C04E684-10F4-4CC3-A0B9-F03AA7BE37CF}" type="datetimeFigureOut">
               <a:rPr lang="en-US" smtClean="0"/>
-              <a:t>6/7/2022</a:t>
+              <a:t>6/8/2022</a:t>
             </a:fld>
             <a:endParaRPr lang="en-US"/>
           </a:p>
@@ -14026,7 +14026,7 @@
           <p:cNvPr id="7" name="Freeform: Shape 6" descr="Tag=AccentColor&#10;Flavor=Light&#10;Target=Fill">
             <a:extLst>
               <a:ext uri="{FF2B5EF4-FFF2-40B4-BE49-F238E27FC236}">
-                <a16:creationId xmlns:a16="http://schemas.microsoft.com/office/drawing/2014/main" xmlns="" id="{13B7BB51-92B8-4089-8DAB-1202A4D1C6A3}"/>
+                <a16:creationId xmlns="" xmlns:a16="http://schemas.microsoft.com/office/drawing/2014/main" id="{13B7BB51-92B8-4089-8DAB-1202A4D1C6A3}"/>
               </a:ext>
             </a:extLst>
           </p:cNvPr>
@@ -14552,7 +14552,7 @@
           <p:cNvPr id="2" name="Title 1">
             <a:extLst>
               <a:ext uri="{FF2B5EF4-FFF2-40B4-BE49-F238E27FC236}">
-                <a16:creationId xmlns:a16="http://schemas.microsoft.com/office/drawing/2014/main" xmlns="" id="{26030E26-A86A-417A-AA64-699AA8DD3DA5}"/>
+                <a16:creationId xmlns="" xmlns:a16="http://schemas.microsoft.com/office/drawing/2014/main" id="{26030E26-A86A-417A-AA64-699AA8DD3DA5}"/>
               </a:ext>
             </a:extLst>
           </p:cNvPr>
@@ -14587,7 +14587,7 @@
           <p:cNvPr id="3" name="Content Placeholder 2">
             <a:extLst>
               <a:ext uri="{FF2B5EF4-FFF2-40B4-BE49-F238E27FC236}">
-                <a16:creationId xmlns:a16="http://schemas.microsoft.com/office/drawing/2014/main" xmlns="" id="{D19CF97E-0E6E-41E9-B75B-0371E744D1E8}"/>
+                <a16:creationId xmlns="" xmlns:a16="http://schemas.microsoft.com/office/drawing/2014/main" id="{D19CF97E-0E6E-41E9-B75B-0371E744D1E8}"/>
               </a:ext>
             </a:extLst>
           </p:cNvPr>
@@ -14650,7 +14650,7 @@
           <p:cNvPr id="4" name="Date Placeholder 3">
             <a:extLst>
               <a:ext uri="{FF2B5EF4-FFF2-40B4-BE49-F238E27FC236}">
-                <a16:creationId xmlns:a16="http://schemas.microsoft.com/office/drawing/2014/main" xmlns="" id="{70BAE770-8363-44CD-8A22-AB26C5C5361B}"/>
+                <a16:creationId xmlns="" xmlns:a16="http://schemas.microsoft.com/office/drawing/2014/main" id="{70BAE770-8363-44CD-8A22-AB26C5C5361B}"/>
               </a:ext>
             </a:extLst>
           </p:cNvPr>
@@ -14668,7 +14668,7 @@
           <a:p>
             <a:fld id="{3C04E684-10F4-4CC3-A0B9-F03AA7BE37CF}" type="datetimeFigureOut">
               <a:rPr lang="en-US" smtClean="0"/>
-              <a:t>6/7/2022</a:t>
+              <a:t>6/8/2022</a:t>
             </a:fld>
             <a:endParaRPr lang="en-US"/>
           </a:p>
@@ -14679,7 +14679,7 @@
           <p:cNvPr id="5" name="Footer Placeholder 4">
             <a:extLst>
               <a:ext uri="{FF2B5EF4-FFF2-40B4-BE49-F238E27FC236}">
-                <a16:creationId xmlns:a16="http://schemas.microsoft.com/office/drawing/2014/main" xmlns="" id="{36E618F2-3B8E-4449-91E7-F8AA4960938F}"/>
+                <a16:creationId xmlns="" xmlns:a16="http://schemas.microsoft.com/office/drawing/2014/main" id="{36E618F2-3B8E-4449-91E7-F8AA4960938F}"/>
               </a:ext>
             </a:extLst>
           </p:cNvPr>
@@ -14704,7 +14704,7 @@
           <p:cNvPr id="6" name="Slide Number Placeholder 5">
             <a:extLst>
               <a:ext uri="{FF2B5EF4-FFF2-40B4-BE49-F238E27FC236}">
-                <a16:creationId xmlns:a16="http://schemas.microsoft.com/office/drawing/2014/main" xmlns="" id="{063428F0-E5C2-42A1-AB2F-1A19FFAD19CF}"/>
+                <a16:creationId xmlns="" xmlns:a16="http://schemas.microsoft.com/office/drawing/2014/main" id="{063428F0-E5C2-42A1-AB2F-1A19FFAD19CF}"/>
               </a:ext>
             </a:extLst>
           </p:cNvPr>
@@ -14957,7 +14957,7 @@
           <a:p>
             <a:fld id="{3C04E684-10F4-4CC3-A0B9-F03AA7BE37CF}" type="datetimeFigureOut">
               <a:rPr lang="en-US" smtClean="0"/>
-              <a:t>6/7/2022</a:t>
+              <a:t>6/8/2022</a:t>
             </a:fld>
             <a:endParaRPr lang="en-US"/>
           </a:p>
@@ -15214,7 +15214,7 @@
           <a:p>
             <a:fld id="{3C04E684-10F4-4CC3-A0B9-F03AA7BE37CF}" type="datetimeFigureOut">
               <a:rPr lang="en-US" smtClean="0"/>
-              <a:t>6/7/2022</a:t>
+              <a:t>6/8/2022</a:t>
             </a:fld>
             <a:endParaRPr lang="en-US"/>
           </a:p>
@@ -15384,7 +15384,7 @@
           <a:p>
             <a:fld id="{3C04E684-10F4-4CC3-A0B9-F03AA7BE37CF}" type="datetimeFigureOut">
               <a:rPr lang="en-US" smtClean="0"/>
-              <a:t>6/7/2022</a:t>
+              <a:t>6/8/2022</a:t>
             </a:fld>
             <a:endParaRPr lang="en-US"/>
           </a:p>
@@ -15564,7 +15564,7 @@
           <a:p>
             <a:fld id="{3C04E684-10F4-4CC3-A0B9-F03AA7BE37CF}" type="datetimeFigureOut">
               <a:rPr lang="en-US" smtClean="0"/>
-              <a:t>6/7/2022</a:t>
+              <a:t>6/8/2022</a:t>
             </a:fld>
             <a:endParaRPr lang="en-US"/>
           </a:p>
@@ -15647,7 +15647,7 @@
           <p:cNvPr id="7" name="Graphic 9" descr="Tag=AccentColor&#10;Flavor=Light&#10;Target=Fill">
             <a:extLst>
               <a:ext uri="{FF2B5EF4-FFF2-40B4-BE49-F238E27FC236}">
-                <a16:creationId xmlns:a16="http://schemas.microsoft.com/office/drawing/2014/main" xmlns="" id="{DB2CE8D6-5B4E-4EBE-9ED5-A1DA7E2A5CDA}"/>
+                <a16:creationId xmlns="" xmlns:a16="http://schemas.microsoft.com/office/drawing/2014/main" id="{DB2CE8D6-5B4E-4EBE-9ED5-A1DA7E2A5CDA}"/>
               </a:ext>
             </a:extLst>
           </p:cNvPr>
@@ -16013,7 +16013,7 @@
           <p:cNvPr id="2" name="Title 1">
             <a:extLst>
               <a:ext uri="{FF2B5EF4-FFF2-40B4-BE49-F238E27FC236}">
-                <a16:creationId xmlns:a16="http://schemas.microsoft.com/office/drawing/2014/main" xmlns="" id="{64AD5705-B027-4C44-B38A-60296E29EB12}"/>
+                <a16:creationId xmlns="" xmlns:a16="http://schemas.microsoft.com/office/drawing/2014/main" id="{64AD5705-B027-4C44-B38A-60296E29EB12}"/>
               </a:ext>
             </a:extLst>
           </p:cNvPr>
@@ -16053,7 +16053,7 @@
           <p:cNvPr id="3" name="Text Placeholder 2">
             <a:extLst>
               <a:ext uri="{FF2B5EF4-FFF2-40B4-BE49-F238E27FC236}">
-                <a16:creationId xmlns:a16="http://schemas.microsoft.com/office/drawing/2014/main" xmlns="" id="{BE8BBAC4-9088-44CF-BA2D-B8DD24FB5274}"/>
+                <a16:creationId xmlns="" xmlns:a16="http://schemas.microsoft.com/office/drawing/2014/main" id="{BE8BBAC4-9088-44CF-BA2D-B8DD24FB5274}"/>
               </a:ext>
             </a:extLst>
           </p:cNvPr>
@@ -16176,7 +16176,7 @@
           <p:cNvPr id="4" name="Date Placeholder 3">
             <a:extLst>
               <a:ext uri="{FF2B5EF4-FFF2-40B4-BE49-F238E27FC236}">
-                <a16:creationId xmlns:a16="http://schemas.microsoft.com/office/drawing/2014/main" xmlns="" id="{3793FB3F-D2A6-4919-B57B-C08861D46303}"/>
+                <a16:creationId xmlns="" xmlns:a16="http://schemas.microsoft.com/office/drawing/2014/main" id="{3793FB3F-D2A6-4919-B57B-C08861D46303}"/>
               </a:ext>
             </a:extLst>
           </p:cNvPr>
@@ -16194,7 +16194,7 @@
           <a:p>
             <a:fld id="{3C04E684-10F4-4CC3-A0B9-F03AA7BE37CF}" type="datetimeFigureOut">
               <a:rPr lang="en-US" smtClean="0"/>
-              <a:t>6/7/2022</a:t>
+              <a:t>6/8/2022</a:t>
             </a:fld>
             <a:endParaRPr lang="en-US"/>
           </a:p>
@@ -16205,7 +16205,7 @@
           <p:cNvPr id="5" name="Footer Placeholder 4">
             <a:extLst>
               <a:ext uri="{FF2B5EF4-FFF2-40B4-BE49-F238E27FC236}">
-                <a16:creationId xmlns:a16="http://schemas.microsoft.com/office/drawing/2014/main" xmlns="" id="{989049E0-6BE5-43FA-A4D4-ACAFC871A79F}"/>
+                <a16:creationId xmlns="" xmlns:a16="http://schemas.microsoft.com/office/drawing/2014/main" id="{989049E0-6BE5-43FA-A4D4-ACAFC871A79F}"/>
               </a:ext>
             </a:extLst>
           </p:cNvPr>
@@ -16230,7 +16230,7 @@
           <p:cNvPr id="6" name="Slide Number Placeholder 5">
             <a:extLst>
               <a:ext uri="{FF2B5EF4-FFF2-40B4-BE49-F238E27FC236}">
-                <a16:creationId xmlns:a16="http://schemas.microsoft.com/office/drawing/2014/main" xmlns="" id="{ADF8C28D-1479-4F15-B906-0AEBBCCA8CFA}"/>
+                <a16:creationId xmlns="" xmlns:a16="http://schemas.microsoft.com/office/drawing/2014/main" id="{ADF8C28D-1479-4F15-B906-0AEBBCCA8CFA}"/>
               </a:ext>
             </a:extLst>
           </p:cNvPr>
@@ -16289,7 +16289,7 @@
           <p:cNvPr id="8" name="Freeform: Shape 7" descr="Tag=AccentColor&#10;Flavor=Light&#10;Target=Fill">
             <a:extLst>
               <a:ext uri="{FF2B5EF4-FFF2-40B4-BE49-F238E27FC236}">
-                <a16:creationId xmlns:a16="http://schemas.microsoft.com/office/drawing/2014/main" xmlns="" id="{FD51F360-8860-4FB5-A0A5-773473DD8B39}"/>
+                <a16:creationId xmlns="" xmlns:a16="http://schemas.microsoft.com/office/drawing/2014/main" id="{FD51F360-8860-4FB5-A0A5-773473DD8B39}"/>
               </a:ext>
             </a:extLst>
           </p:cNvPr>
@@ -16815,7 +16815,7 @@
           <p:cNvPr id="2" name="Title 1">
             <a:extLst>
               <a:ext uri="{FF2B5EF4-FFF2-40B4-BE49-F238E27FC236}">
-                <a16:creationId xmlns:a16="http://schemas.microsoft.com/office/drawing/2014/main" xmlns="" id="{D2A77EC9-372A-4ECA-9088-780532AF057F}"/>
+                <a16:creationId xmlns="" xmlns:a16="http://schemas.microsoft.com/office/drawing/2014/main" id="{D2A77EC9-372A-4ECA-9088-780532AF057F}"/>
               </a:ext>
             </a:extLst>
           </p:cNvPr>
@@ -16850,7 +16850,7 @@
           <p:cNvPr id="3" name="Content Placeholder 2">
             <a:extLst>
               <a:ext uri="{FF2B5EF4-FFF2-40B4-BE49-F238E27FC236}">
-                <a16:creationId xmlns:a16="http://schemas.microsoft.com/office/drawing/2014/main" xmlns="" id="{57C882CE-1B27-414A-9B06-AA5D2DB683BA}"/>
+                <a16:creationId xmlns="" xmlns:a16="http://schemas.microsoft.com/office/drawing/2014/main" id="{57C882CE-1B27-414A-9B06-AA5D2DB683BA}"/>
               </a:ext>
             </a:extLst>
           </p:cNvPr>
@@ -16913,7 +16913,7 @@
           <p:cNvPr id="4" name="Content Placeholder 3">
             <a:extLst>
               <a:ext uri="{FF2B5EF4-FFF2-40B4-BE49-F238E27FC236}">
-                <a16:creationId xmlns:a16="http://schemas.microsoft.com/office/drawing/2014/main" xmlns="" id="{A0397E60-5D92-4530-96D1-FC09AF3C2742}"/>
+                <a16:creationId xmlns="" xmlns:a16="http://schemas.microsoft.com/office/drawing/2014/main" id="{A0397E60-5D92-4530-96D1-FC09AF3C2742}"/>
               </a:ext>
             </a:extLst>
           </p:cNvPr>
@@ -16976,7 +16976,7 @@
           <p:cNvPr id="5" name="Date Placeholder 4">
             <a:extLst>
               <a:ext uri="{FF2B5EF4-FFF2-40B4-BE49-F238E27FC236}">
-                <a16:creationId xmlns:a16="http://schemas.microsoft.com/office/drawing/2014/main" xmlns="" id="{034240FE-0C6A-47E9-9B0A-7B3C60877372}"/>
+                <a16:creationId xmlns="" xmlns:a16="http://schemas.microsoft.com/office/drawing/2014/main" id="{034240FE-0C6A-47E9-9B0A-7B3C60877372}"/>
               </a:ext>
             </a:extLst>
           </p:cNvPr>
@@ -16994,7 +16994,7 @@
           <a:p>
             <a:fld id="{3C04E684-10F4-4CC3-A0B9-F03AA7BE37CF}" type="datetimeFigureOut">
               <a:rPr lang="en-US" smtClean="0"/>
-              <a:t>6/7/2022</a:t>
+              <a:t>6/8/2022</a:t>
             </a:fld>
             <a:endParaRPr lang="en-US"/>
           </a:p>
@@ -17005,7 +17005,7 @@
           <p:cNvPr id="6" name="Footer Placeholder 5">
             <a:extLst>
               <a:ext uri="{FF2B5EF4-FFF2-40B4-BE49-F238E27FC236}">
-                <a16:creationId xmlns:a16="http://schemas.microsoft.com/office/drawing/2014/main" xmlns="" id="{8671AE1B-BB18-4C7E-AA77-3A4D401A5F35}"/>
+                <a16:creationId xmlns="" xmlns:a16="http://schemas.microsoft.com/office/drawing/2014/main" id="{8671AE1B-BB18-4C7E-AA77-3A4D401A5F35}"/>
               </a:ext>
             </a:extLst>
           </p:cNvPr>
@@ -17030,7 +17030,7 @@
           <p:cNvPr id="7" name="Slide Number Placeholder 6">
             <a:extLst>
               <a:ext uri="{FF2B5EF4-FFF2-40B4-BE49-F238E27FC236}">
-                <a16:creationId xmlns:a16="http://schemas.microsoft.com/office/drawing/2014/main" xmlns="" id="{76FA7B1D-FEDD-4E29-A352-29E5F498B323}"/>
+                <a16:creationId xmlns="" xmlns:a16="http://schemas.microsoft.com/office/drawing/2014/main" id="{76FA7B1D-FEDD-4E29-A352-29E5F498B323}"/>
               </a:ext>
             </a:extLst>
           </p:cNvPr>
@@ -17089,7 +17089,7 @@
           <p:cNvPr id="10" name="Freeform: Shape 9" descr="Tag=AccentColor&#10;Flavor=Light&#10;Target=Fill">
             <a:extLst>
               <a:ext uri="{FF2B5EF4-FFF2-40B4-BE49-F238E27FC236}">
-                <a16:creationId xmlns:a16="http://schemas.microsoft.com/office/drawing/2014/main" xmlns="" id="{527D753D-3426-457C-9082-B92894509EC0}"/>
+                <a16:creationId xmlns="" xmlns:a16="http://schemas.microsoft.com/office/drawing/2014/main" id="{527D753D-3426-457C-9082-B92894509EC0}"/>
               </a:ext>
             </a:extLst>
           </p:cNvPr>
@@ -17615,7 +17615,7 @@
           <p:cNvPr id="2" name="Title 1">
             <a:extLst>
               <a:ext uri="{FF2B5EF4-FFF2-40B4-BE49-F238E27FC236}">
-                <a16:creationId xmlns:a16="http://schemas.microsoft.com/office/drawing/2014/main" xmlns="" id="{164D2B94-0682-4185-BCE3-89AF214A4FA8}"/>
+                <a16:creationId xmlns="" xmlns:a16="http://schemas.microsoft.com/office/drawing/2014/main" id="{164D2B94-0682-4185-BCE3-89AF214A4FA8}"/>
               </a:ext>
             </a:extLst>
           </p:cNvPr>
@@ -17655,7 +17655,7 @@
           <p:cNvPr id="3" name="Text Placeholder 2">
             <a:extLst>
               <a:ext uri="{FF2B5EF4-FFF2-40B4-BE49-F238E27FC236}">
-                <a16:creationId xmlns:a16="http://schemas.microsoft.com/office/drawing/2014/main" xmlns="" id="{8D65C47E-B85E-4B3E-A669-DEEC7F5DF2FB}"/>
+                <a16:creationId xmlns="" xmlns:a16="http://schemas.microsoft.com/office/drawing/2014/main" id="{8D65C47E-B85E-4B3E-A669-DEEC7F5DF2FB}"/>
               </a:ext>
             </a:extLst>
           </p:cNvPr>
@@ -17728,7 +17728,7 @@
           <p:cNvPr id="4" name="Content Placeholder 3">
             <a:extLst>
               <a:ext uri="{FF2B5EF4-FFF2-40B4-BE49-F238E27FC236}">
-                <a16:creationId xmlns:a16="http://schemas.microsoft.com/office/drawing/2014/main" xmlns="" id="{E324517F-FE8C-49AD-9A52-0F4301052699}"/>
+                <a16:creationId xmlns="" xmlns:a16="http://schemas.microsoft.com/office/drawing/2014/main" id="{E324517F-FE8C-49AD-9A52-0F4301052699}"/>
               </a:ext>
             </a:extLst>
           </p:cNvPr>
@@ -17791,7 +17791,7 @@
           <p:cNvPr id="5" name="Text Placeholder 4">
             <a:extLst>
               <a:ext uri="{FF2B5EF4-FFF2-40B4-BE49-F238E27FC236}">
-                <a16:creationId xmlns:a16="http://schemas.microsoft.com/office/drawing/2014/main" xmlns="" id="{C80C73EC-7117-4DC2-9075-14102F2E282B}"/>
+                <a16:creationId xmlns="" xmlns:a16="http://schemas.microsoft.com/office/drawing/2014/main" id="{C80C73EC-7117-4DC2-9075-14102F2E282B}"/>
               </a:ext>
             </a:extLst>
           </p:cNvPr>
@@ -17864,7 +17864,7 @@
           <p:cNvPr id="6" name="Content Placeholder 5">
             <a:extLst>
               <a:ext uri="{FF2B5EF4-FFF2-40B4-BE49-F238E27FC236}">
-                <a16:creationId xmlns:a16="http://schemas.microsoft.com/office/drawing/2014/main" xmlns="" id="{7DD9A323-865B-4177-8F98-9BA304E022E0}"/>
+                <a16:creationId xmlns="" xmlns:a16="http://schemas.microsoft.com/office/drawing/2014/main" id="{7DD9A323-865B-4177-8F98-9BA304E022E0}"/>
               </a:ext>
             </a:extLst>
           </p:cNvPr>
@@ -17927,7 +17927,7 @@
           <p:cNvPr id="7" name="Date Placeholder 6">
             <a:extLst>
               <a:ext uri="{FF2B5EF4-FFF2-40B4-BE49-F238E27FC236}">
-                <a16:creationId xmlns:a16="http://schemas.microsoft.com/office/drawing/2014/main" xmlns="" id="{2AA4E5D6-7075-4584-BD43-D966F0B58E6D}"/>
+                <a16:creationId xmlns="" xmlns:a16="http://schemas.microsoft.com/office/drawing/2014/main" id="{2AA4E5D6-7075-4584-BD43-D966F0B58E6D}"/>
               </a:ext>
             </a:extLst>
           </p:cNvPr>
@@ -17945,7 +17945,7 @@
           <a:p>
             <a:fld id="{3C04E684-10F4-4CC3-A0B9-F03AA7BE37CF}" type="datetimeFigureOut">
               <a:rPr lang="en-US" smtClean="0"/>
-              <a:t>6/7/2022</a:t>
+              <a:t>6/8/2022</a:t>
             </a:fld>
             <a:endParaRPr lang="en-US"/>
           </a:p>
@@ -17956,7 +17956,7 @@
           <p:cNvPr id="8" name="Footer Placeholder 7">
             <a:extLst>
               <a:ext uri="{FF2B5EF4-FFF2-40B4-BE49-F238E27FC236}">
-                <a16:creationId xmlns:a16="http://schemas.microsoft.com/office/drawing/2014/main" xmlns="" id="{8C38B83D-8A05-4F3C-A409-1602C9630750}"/>
+                <a16:creationId xmlns="" xmlns:a16="http://schemas.microsoft.com/office/drawing/2014/main" id="{8C38B83D-8A05-4F3C-A409-1602C9630750}"/>
               </a:ext>
             </a:extLst>
           </p:cNvPr>
@@ -17981,7 +17981,7 @@
           <p:cNvPr id="9" name="Slide Number Placeholder 8">
             <a:extLst>
               <a:ext uri="{FF2B5EF4-FFF2-40B4-BE49-F238E27FC236}">
-                <a16:creationId xmlns:a16="http://schemas.microsoft.com/office/drawing/2014/main" xmlns="" id="{BAD250E7-8A73-449C-A140-A2A2582D7F33}"/>
+                <a16:creationId xmlns="" xmlns:a16="http://schemas.microsoft.com/office/drawing/2014/main" id="{BAD250E7-8A73-449C-A140-A2A2582D7F33}"/>
               </a:ext>
             </a:extLst>
           </p:cNvPr>
@@ -18040,7 +18040,7 @@
           <p:cNvPr id="6" name="Graphic 1" descr="Tag=AccentColor&#10;Flavor=Light&#10;Target=Fill">
             <a:extLst>
               <a:ext uri="{FF2B5EF4-FFF2-40B4-BE49-F238E27FC236}">
-                <a16:creationId xmlns:a16="http://schemas.microsoft.com/office/drawing/2014/main" xmlns="" id="{AAFBE1F6-FC6D-4C3D-9AC3-97028E6F18C7}"/>
+                <a16:creationId xmlns="" xmlns:a16="http://schemas.microsoft.com/office/drawing/2014/main" id="{AAFBE1F6-FC6D-4C3D-9AC3-97028E6F18C7}"/>
               </a:ext>
             </a:extLst>
           </p:cNvPr>
@@ -20236,7 +20236,7 @@
           <p:cNvPr id="2" name="Title 1">
             <a:extLst>
               <a:ext uri="{FF2B5EF4-FFF2-40B4-BE49-F238E27FC236}">
-                <a16:creationId xmlns:a16="http://schemas.microsoft.com/office/drawing/2014/main" xmlns="" id="{192825A4-268B-4301-8432-F9E9B2661AEC}"/>
+                <a16:creationId xmlns="" xmlns:a16="http://schemas.microsoft.com/office/drawing/2014/main" id="{192825A4-268B-4301-8432-F9E9B2661AEC}"/>
               </a:ext>
             </a:extLst>
           </p:cNvPr>
@@ -20276,7 +20276,7 @@
           <p:cNvPr id="3" name="Date Placeholder 2">
             <a:extLst>
               <a:ext uri="{FF2B5EF4-FFF2-40B4-BE49-F238E27FC236}">
-                <a16:creationId xmlns:a16="http://schemas.microsoft.com/office/drawing/2014/main" xmlns="" id="{DA33410F-8A90-47F6-BD39-4AC0E4358351}"/>
+                <a16:creationId xmlns="" xmlns:a16="http://schemas.microsoft.com/office/drawing/2014/main" id="{DA33410F-8A90-47F6-BD39-4AC0E4358351}"/>
               </a:ext>
             </a:extLst>
           </p:cNvPr>
@@ -20294,7 +20294,7 @@
           <a:p>
             <a:fld id="{3C04E684-10F4-4CC3-A0B9-F03AA7BE37CF}" type="datetimeFigureOut">
               <a:rPr lang="en-US" smtClean="0"/>
-              <a:t>6/7/2022</a:t>
+              <a:t>6/8/2022</a:t>
             </a:fld>
             <a:endParaRPr lang="en-US"/>
           </a:p>
@@ -20305,7 +20305,7 @@
           <p:cNvPr id="4" name="Footer Placeholder 3">
             <a:extLst>
               <a:ext uri="{FF2B5EF4-FFF2-40B4-BE49-F238E27FC236}">
-                <a16:creationId xmlns:a16="http://schemas.microsoft.com/office/drawing/2014/main" xmlns="" id="{D1D819A9-F8DE-4E5C-AFC3-E0105ACD8295}"/>
+                <a16:creationId xmlns="" xmlns:a16="http://schemas.microsoft.com/office/drawing/2014/main" id="{D1D819A9-F8DE-4E5C-AFC3-E0105ACD8295}"/>
               </a:ext>
             </a:extLst>
           </p:cNvPr>
@@ -20330,7 +20330,7 @@
           <p:cNvPr id="5" name="Slide Number Placeholder 4">
             <a:extLst>
               <a:ext uri="{FF2B5EF4-FFF2-40B4-BE49-F238E27FC236}">
-                <a16:creationId xmlns:a16="http://schemas.microsoft.com/office/drawing/2014/main" xmlns="" id="{A4E25320-A12F-4F3E-8EC9-11292FF36BEA}"/>
+                <a16:creationId xmlns="" xmlns:a16="http://schemas.microsoft.com/office/drawing/2014/main" id="{A4E25320-A12F-4F3E-8EC9-11292FF36BEA}"/>
               </a:ext>
             </a:extLst>
           </p:cNvPr>
@@ -20389,7 +20389,7 @@
           <p:cNvPr id="2" name="Date Placeholder 1">
             <a:extLst>
               <a:ext uri="{FF2B5EF4-FFF2-40B4-BE49-F238E27FC236}">
-                <a16:creationId xmlns:a16="http://schemas.microsoft.com/office/drawing/2014/main" xmlns="" id="{71C9756B-145D-4BA8-AA43-904C1E7CB86D}"/>
+                <a16:creationId xmlns="" xmlns:a16="http://schemas.microsoft.com/office/drawing/2014/main" id="{71C9756B-145D-4BA8-AA43-904C1E7CB86D}"/>
               </a:ext>
             </a:extLst>
           </p:cNvPr>
@@ -20407,7 +20407,7 @@
           <a:p>
             <a:fld id="{3C04E684-10F4-4CC3-A0B9-F03AA7BE37CF}" type="datetimeFigureOut">
               <a:rPr lang="en-US" smtClean="0"/>
-              <a:t>6/7/2022</a:t>
+              <a:t>6/8/2022</a:t>
             </a:fld>
             <a:endParaRPr lang="en-US"/>
           </a:p>
@@ -20418,7 +20418,7 @@
           <p:cNvPr id="3" name="Footer Placeholder 2">
             <a:extLst>
               <a:ext uri="{FF2B5EF4-FFF2-40B4-BE49-F238E27FC236}">
-                <a16:creationId xmlns:a16="http://schemas.microsoft.com/office/drawing/2014/main" xmlns="" id="{B21DB60F-139E-4C44-89AF-3F8F5EC241FB}"/>
+                <a16:creationId xmlns="" xmlns:a16="http://schemas.microsoft.com/office/drawing/2014/main" id="{B21DB60F-139E-4C44-89AF-3F8F5EC241FB}"/>
               </a:ext>
             </a:extLst>
           </p:cNvPr>
@@ -20443,7 +20443,7 @@
           <p:cNvPr id="4" name="Slide Number Placeholder 3">
             <a:extLst>
               <a:ext uri="{FF2B5EF4-FFF2-40B4-BE49-F238E27FC236}">
-                <a16:creationId xmlns:a16="http://schemas.microsoft.com/office/drawing/2014/main" xmlns="" id="{388226C9-C193-4B47-9717-4BC86C9092C7}"/>
+                <a16:creationId xmlns="" xmlns:a16="http://schemas.microsoft.com/office/drawing/2014/main" id="{388226C9-C193-4B47-9717-4BC86C9092C7}"/>
               </a:ext>
             </a:extLst>
           </p:cNvPr>
@@ -20502,7 +20502,7 @@
           <p:cNvPr id="6" name="Freeform: Shape 5" descr="Mask ID=&#10;Mask position=bottom, center&#10;Mask family= brushstroke, landscape, wide">
             <a:extLst>
               <a:ext uri="{FF2B5EF4-FFF2-40B4-BE49-F238E27FC236}">
-                <a16:creationId xmlns:a16="http://schemas.microsoft.com/office/drawing/2014/main" xmlns="" id="{736BF44D-E8DD-45FA-931D-CBCC67D57944}"/>
+                <a16:creationId xmlns="" xmlns:a16="http://schemas.microsoft.com/office/drawing/2014/main" id="{736BF44D-E8DD-45FA-931D-CBCC67D57944}"/>
               </a:ext>
             </a:extLst>
           </p:cNvPr>
@@ -20896,7 +20896,7 @@
           <p:cNvPr id="2" name="Date Placeholder 1">
             <a:extLst>
               <a:ext uri="{FF2B5EF4-FFF2-40B4-BE49-F238E27FC236}">
-                <a16:creationId xmlns:a16="http://schemas.microsoft.com/office/drawing/2014/main" xmlns="" id="{71C9756B-145D-4BA8-AA43-904C1E7CB86D}"/>
+                <a16:creationId xmlns="" xmlns:a16="http://schemas.microsoft.com/office/drawing/2014/main" id="{71C9756B-145D-4BA8-AA43-904C1E7CB86D}"/>
               </a:ext>
             </a:extLst>
           </p:cNvPr>
@@ -20914,7 +20914,7 @@
           <a:p>
             <a:fld id="{3C04E684-10F4-4CC3-A0B9-F03AA7BE37CF}" type="datetimeFigureOut">
               <a:rPr lang="en-US" smtClean="0"/>
-              <a:t>6/7/2022</a:t>
+              <a:t>6/8/2022</a:t>
             </a:fld>
             <a:endParaRPr lang="en-US"/>
           </a:p>
@@ -20925,7 +20925,7 @@
           <p:cNvPr id="3" name="Footer Placeholder 2">
             <a:extLst>
               <a:ext uri="{FF2B5EF4-FFF2-40B4-BE49-F238E27FC236}">
-                <a16:creationId xmlns:a16="http://schemas.microsoft.com/office/drawing/2014/main" xmlns="" id="{B21DB60F-139E-4C44-89AF-3F8F5EC241FB}"/>
+                <a16:creationId xmlns="" xmlns:a16="http://schemas.microsoft.com/office/drawing/2014/main" id="{B21DB60F-139E-4C44-89AF-3F8F5EC241FB}"/>
               </a:ext>
             </a:extLst>
           </p:cNvPr>
@@ -20950,7 +20950,7 @@
           <p:cNvPr id="4" name="Slide Number Placeholder 3">
             <a:extLst>
               <a:ext uri="{FF2B5EF4-FFF2-40B4-BE49-F238E27FC236}">
-                <a16:creationId xmlns:a16="http://schemas.microsoft.com/office/drawing/2014/main" xmlns="" id="{388226C9-C193-4B47-9717-4BC86C9092C7}"/>
+                <a16:creationId xmlns="" xmlns:a16="http://schemas.microsoft.com/office/drawing/2014/main" id="{388226C9-C193-4B47-9717-4BC86C9092C7}"/>
               </a:ext>
             </a:extLst>
           </p:cNvPr>
@@ -21009,7 +21009,7 @@
           <p:cNvPr id="8" name="Freeform: Shape 7" descr="Tag=AccentColor&#10;Flavor=Light&#10;Target=Fill">
             <a:extLst>
               <a:ext uri="{FF2B5EF4-FFF2-40B4-BE49-F238E27FC236}">
-                <a16:creationId xmlns:a16="http://schemas.microsoft.com/office/drawing/2014/main" xmlns="" id="{76C5A8FA-6B61-4934-AF55-C595090CA5DC}"/>
+                <a16:creationId xmlns="" xmlns:a16="http://schemas.microsoft.com/office/drawing/2014/main" id="{76C5A8FA-6B61-4934-AF55-C595090CA5DC}"/>
               </a:ext>
             </a:extLst>
           </p:cNvPr>
@@ -21999,7 +21999,7 @@
           <p:cNvPr id="2" name="Title 1">
             <a:extLst>
               <a:ext uri="{FF2B5EF4-FFF2-40B4-BE49-F238E27FC236}">
-                <a16:creationId xmlns:a16="http://schemas.microsoft.com/office/drawing/2014/main" xmlns="" id="{146AD042-DE90-4088-8A07-B9A64C2CE03E}"/>
+                <a16:creationId xmlns="" xmlns:a16="http://schemas.microsoft.com/office/drawing/2014/main" id="{146AD042-DE90-4088-8A07-B9A64C2CE03E}"/>
               </a:ext>
             </a:extLst>
           </p:cNvPr>
@@ -22037,7 +22037,7 @@
           <p:cNvPr id="3" name="Content Placeholder 2">
             <a:extLst>
               <a:ext uri="{FF2B5EF4-FFF2-40B4-BE49-F238E27FC236}">
-                <a16:creationId xmlns:a16="http://schemas.microsoft.com/office/drawing/2014/main" xmlns="" id="{BF2FFC98-62A0-445A-BEDA-785BE925A1D8}"/>
+                <a16:creationId xmlns="" xmlns:a16="http://schemas.microsoft.com/office/drawing/2014/main" id="{BF2FFC98-62A0-445A-BEDA-785BE925A1D8}"/>
               </a:ext>
             </a:extLst>
           </p:cNvPr>
@@ -22128,7 +22128,7 @@
           <p:cNvPr id="4" name="Text Placeholder 3">
             <a:extLst>
               <a:ext uri="{FF2B5EF4-FFF2-40B4-BE49-F238E27FC236}">
-                <a16:creationId xmlns:a16="http://schemas.microsoft.com/office/drawing/2014/main" xmlns="" id="{DB4D7827-8489-4EE4-88EE-16685FE6DE8A}"/>
+                <a16:creationId xmlns="" xmlns:a16="http://schemas.microsoft.com/office/drawing/2014/main" id="{DB4D7827-8489-4EE4-88EE-16685FE6DE8A}"/>
               </a:ext>
             </a:extLst>
           </p:cNvPr>
@@ -22199,7 +22199,7 @@
           <p:cNvPr id="5" name="Date Placeholder 4">
             <a:extLst>
               <a:ext uri="{FF2B5EF4-FFF2-40B4-BE49-F238E27FC236}">
-                <a16:creationId xmlns:a16="http://schemas.microsoft.com/office/drawing/2014/main" xmlns="" id="{8C33534F-EA91-4A50-B0F6-10D689E458EF}"/>
+                <a16:creationId xmlns="" xmlns:a16="http://schemas.microsoft.com/office/drawing/2014/main" id="{8C33534F-EA91-4A50-B0F6-10D689E458EF}"/>
               </a:ext>
             </a:extLst>
           </p:cNvPr>
@@ -22217,7 +22217,7 @@
           <a:p>
             <a:fld id="{3C04E684-10F4-4CC3-A0B9-F03AA7BE37CF}" type="datetimeFigureOut">
               <a:rPr lang="en-US" smtClean="0"/>
-              <a:t>6/7/2022</a:t>
+              <a:t>6/8/2022</a:t>
             </a:fld>
             <a:endParaRPr lang="en-US"/>
           </a:p>
@@ -22228,7 +22228,7 @@
           <p:cNvPr id="6" name="Footer Placeholder 5">
             <a:extLst>
               <a:ext uri="{FF2B5EF4-FFF2-40B4-BE49-F238E27FC236}">
-                <a16:creationId xmlns:a16="http://schemas.microsoft.com/office/drawing/2014/main" xmlns="" id="{6C20F3F7-8B4B-4015-AA9C-109D05B2F146}"/>
+                <a16:creationId xmlns="" xmlns:a16="http://schemas.microsoft.com/office/drawing/2014/main" id="{6C20F3F7-8B4B-4015-AA9C-109D05B2F146}"/>
               </a:ext>
             </a:extLst>
           </p:cNvPr>
@@ -22257,7 +22257,7 @@
           <p:cNvPr id="7" name="Slide Number Placeholder 6">
             <a:extLst>
               <a:ext uri="{FF2B5EF4-FFF2-40B4-BE49-F238E27FC236}">
-                <a16:creationId xmlns:a16="http://schemas.microsoft.com/office/drawing/2014/main" xmlns="" id="{910B6EE2-78A1-4D01-87BE-A1487FBD271F}"/>
+                <a16:creationId xmlns="" xmlns:a16="http://schemas.microsoft.com/office/drawing/2014/main" id="{910B6EE2-78A1-4D01-87BE-A1487FBD271F}"/>
               </a:ext>
             </a:extLst>
           </p:cNvPr>
@@ -22321,7 +22321,7 @@
           <p:cNvPr id="2" name="Title Placeholder 1">
             <a:extLst>
               <a:ext uri="{FF2B5EF4-FFF2-40B4-BE49-F238E27FC236}">
-                <a16:creationId xmlns:a16="http://schemas.microsoft.com/office/drawing/2014/main" xmlns="" id="{08615C6B-1C98-4B1C-AB4B-1E1898E593BE}"/>
+                <a16:creationId xmlns="" xmlns:a16="http://schemas.microsoft.com/office/drawing/2014/main" id="{08615C6B-1C98-4B1C-AB4B-1E1898E593BE}"/>
               </a:ext>
             </a:extLst>
           </p:cNvPr>
@@ -22360,7 +22360,7 @@
           <p:cNvPr id="3" name="Text Placeholder 2">
             <a:extLst>
               <a:ext uri="{FF2B5EF4-FFF2-40B4-BE49-F238E27FC236}">
-                <a16:creationId xmlns:a16="http://schemas.microsoft.com/office/drawing/2014/main" xmlns="" id="{2E8DFF97-B7FD-47F9-BC7F-DD4B4C5EA2F6}"/>
+                <a16:creationId xmlns="" xmlns:a16="http://schemas.microsoft.com/office/drawing/2014/main" id="{2E8DFF97-B7FD-47F9-BC7F-DD4B4C5EA2F6}"/>
               </a:ext>
             </a:extLst>
           </p:cNvPr>
@@ -22428,7 +22428,7 @@
           <p:cNvPr id="4" name="Date Placeholder 3">
             <a:extLst>
               <a:ext uri="{FF2B5EF4-FFF2-40B4-BE49-F238E27FC236}">
-                <a16:creationId xmlns:a16="http://schemas.microsoft.com/office/drawing/2014/main" xmlns="" id="{A1831D22-079E-43E3-86A4-BA12DB888C79}"/>
+                <a16:creationId xmlns="" xmlns:a16="http://schemas.microsoft.com/office/drawing/2014/main" id="{A1831D22-079E-43E3-86A4-BA12DB888C79}"/>
               </a:ext>
             </a:extLst>
           </p:cNvPr>
@@ -22464,7 +22464,7 @@
           <a:p>
             <a:fld id="{3C04E684-10F4-4CC3-A0B9-F03AA7BE37CF}" type="datetimeFigureOut">
               <a:rPr lang="en-US" smtClean="0"/>
-              <a:t>6/7/2022</a:t>
+              <a:t>6/8/2022</a:t>
             </a:fld>
             <a:endParaRPr lang="en-US"/>
           </a:p>
@@ -22475,7 +22475,7 @@
           <p:cNvPr id="5" name="Footer Placeholder 4">
             <a:extLst>
               <a:ext uri="{FF2B5EF4-FFF2-40B4-BE49-F238E27FC236}">
-                <a16:creationId xmlns:a16="http://schemas.microsoft.com/office/drawing/2014/main" xmlns="" id="{A14C30A2-140B-4A5D-BEEC-C1314AF1F3F6}"/>
+                <a16:creationId xmlns="" xmlns:a16="http://schemas.microsoft.com/office/drawing/2014/main" id="{A14C30A2-140B-4A5D-BEEC-C1314AF1F3F6}"/>
               </a:ext>
             </a:extLst>
           </p:cNvPr>
@@ -22518,7 +22518,7 @@
           <p:cNvPr id="6" name="Slide Number Placeholder 5">
             <a:extLst>
               <a:ext uri="{FF2B5EF4-FFF2-40B4-BE49-F238E27FC236}">
-                <a16:creationId xmlns:a16="http://schemas.microsoft.com/office/drawing/2014/main" xmlns="" id="{1B71BA8F-7826-496D-91F8-B3ECDF34DA73}"/>
+                <a16:creationId xmlns="" xmlns:a16="http://schemas.microsoft.com/office/drawing/2014/main" id="{1B71BA8F-7826-496D-91F8-B3ECDF34DA73}"/>
               </a:ext>
             </a:extLst>
           </p:cNvPr>
@@ -23017,7 +23017,7 @@
           <a:p>
             <a:fld id="{3C04E684-10F4-4CC3-A0B9-F03AA7BE37CF}" type="datetimeFigureOut">
               <a:rPr lang="en-US" smtClean="0"/>
-              <a:t>6/7/2022</a:t>
+              <a:t>6/8/2022</a:t>
             </a:fld>
             <a:endParaRPr lang="en-US"/>
           </a:p>
@@ -23435,10 +23435,10 @@
           <p:cNvPr id="27" name="Rectangle 26">
             <a:extLst>
               <a:ext uri="{FF2B5EF4-FFF2-40B4-BE49-F238E27FC236}">
-                <a16:creationId xmlns:a16="http://schemas.microsoft.com/office/drawing/2014/main" xmlns="" id="{FFD48BC7-DC40-47DE-87EE-9F4B6ECB9ABB}"/>
+                <a16:creationId xmlns="" xmlns:a16="http://schemas.microsoft.com/office/drawing/2014/main" id="{FFD48BC7-DC40-47DE-87EE-9F4B6ECB9ABB}"/>
               </a:ext>
               <a:ext uri="{C183D7F6-B498-43B3-948B-1728B52AA6E4}">
-                <adec:decorative xmlns:adec="http://schemas.microsoft.com/office/drawing/2017/decorative" xmlns="" val="1"/>
+                <adec:decorative xmlns="" xmlns:adec="http://schemas.microsoft.com/office/drawing/2017/decorative" val="1"/>
               </a:ext>
             </a:extLst>
           </p:cNvPr>
@@ -23448,7 +23448,7 @@
           <p:nvPr>
             <p:extLst>
               <p:ext uri="{386F3935-93C4-4BCD-93E2-E3B085C9AB24}">
-                <p16:designElem xmlns:p16="http://schemas.microsoft.com/office/powerpoint/2015/main" xmlns="" val="1"/>
+                <p16:designElem xmlns="" xmlns:p16="http://schemas.microsoft.com/office/powerpoint/2015/main" val="1"/>
               </p:ext>
             </p:extLst>
           </p:nvPr>
@@ -23495,10 +23495,10 @@
           <p:cNvPr id="29" name="Freeform: Shape 28">
             <a:extLst>
               <a:ext uri="{FF2B5EF4-FFF2-40B4-BE49-F238E27FC236}">
-                <a16:creationId xmlns:a16="http://schemas.microsoft.com/office/drawing/2014/main" xmlns="" id="{E502BBC7-2C76-46F3-BC24-5985BC13DB88}"/>
+                <a16:creationId xmlns="" xmlns:a16="http://schemas.microsoft.com/office/drawing/2014/main" id="{E502BBC7-2C76-46F3-BC24-5985BC13DB88}"/>
               </a:ext>
               <a:ext uri="{C183D7F6-B498-43B3-948B-1728B52AA6E4}">
-                <adec:decorative xmlns:adec="http://schemas.microsoft.com/office/drawing/2017/decorative" xmlns="" val="1"/>
+                <adec:decorative xmlns="" xmlns:adec="http://schemas.microsoft.com/office/drawing/2017/decorative" val="1"/>
               </a:ext>
             </a:extLst>
           </p:cNvPr>
@@ -23508,7 +23508,7 @@
           <p:nvPr>
             <p:extLst>
               <p:ext uri="{386F3935-93C4-4BCD-93E2-E3B085C9AB24}">
-                <p16:designElem xmlns:p16="http://schemas.microsoft.com/office/powerpoint/2015/main" xmlns="" val="1"/>
+                <p16:designElem xmlns="" xmlns:p16="http://schemas.microsoft.com/office/powerpoint/2015/main" val="1"/>
               </p:ext>
             </p:extLst>
           </p:nvPr>
@@ -23695,10 +23695,10 @@
           <p:cNvPr id="31" name="Freeform: Shape 30">
             <a:extLst>
               <a:ext uri="{FF2B5EF4-FFF2-40B4-BE49-F238E27FC236}">
-                <a16:creationId xmlns:a16="http://schemas.microsoft.com/office/drawing/2014/main" xmlns="" id="{C7F28D52-2A5F-4D23-81AE-7CB8B591C7AF}"/>
+                <a16:creationId xmlns="" xmlns:a16="http://schemas.microsoft.com/office/drawing/2014/main" id="{C7F28D52-2A5F-4D23-81AE-7CB8B591C7AF}"/>
               </a:ext>
               <a:ext uri="{C183D7F6-B498-43B3-948B-1728B52AA6E4}">
-                <adec:decorative xmlns:adec="http://schemas.microsoft.com/office/drawing/2017/decorative" xmlns="" val="1"/>
+                <adec:decorative xmlns="" xmlns:adec="http://schemas.microsoft.com/office/drawing/2017/decorative" val="1"/>
               </a:ext>
             </a:extLst>
           </p:cNvPr>
@@ -23708,7 +23708,7 @@
           <p:nvPr>
             <p:extLst>
               <p:ext uri="{386F3935-93C4-4BCD-93E2-E3B085C9AB24}">
-                <p16:designElem xmlns:p16="http://schemas.microsoft.com/office/powerpoint/2015/main" xmlns="" val="1"/>
+                <p16:designElem xmlns="" xmlns:p16="http://schemas.microsoft.com/office/powerpoint/2015/main" val="1"/>
               </p:ext>
             </p:extLst>
           </p:nvPr>
@@ -23886,7 +23886,7 @@
           <p:cNvPr id="2" name="Titel 1">
             <a:extLst>
               <a:ext uri="{FF2B5EF4-FFF2-40B4-BE49-F238E27FC236}">
-                <a16:creationId xmlns:a16="http://schemas.microsoft.com/office/drawing/2014/main" xmlns="" id="{8AF80862-46B0-3338-3F2F-1222DE44A0E6}"/>
+                <a16:creationId xmlns="" xmlns:a16="http://schemas.microsoft.com/office/drawing/2014/main" id="{8AF80862-46B0-3338-3F2F-1222DE44A0E6}"/>
               </a:ext>
             </a:extLst>
           </p:cNvPr>
@@ -23921,7 +23921,7 @@
           <p:cNvPr id="3" name="Ondertitel 2">
             <a:extLst>
               <a:ext uri="{FF2B5EF4-FFF2-40B4-BE49-F238E27FC236}">
-                <a16:creationId xmlns:a16="http://schemas.microsoft.com/office/drawing/2014/main" xmlns="" id="{BC9FADFD-6FCC-9B98-D658-03D73CCE906C}"/>
+                <a16:creationId xmlns="" xmlns:a16="http://schemas.microsoft.com/office/drawing/2014/main" id="{BC9FADFD-6FCC-9B98-D658-03D73CCE906C}"/>
               </a:ext>
             </a:extLst>
           </p:cNvPr>
@@ -23956,10 +23956,10 @@
           <p:cNvPr id="33" name="Rectangle 32">
             <a:extLst>
               <a:ext uri="{FF2B5EF4-FFF2-40B4-BE49-F238E27FC236}">
-                <a16:creationId xmlns:a16="http://schemas.microsoft.com/office/drawing/2014/main" xmlns="" id="{3629484E-3792-4B3D-89AD-7C8A1ED0E0D4}"/>
+                <a16:creationId xmlns="" xmlns:a16="http://schemas.microsoft.com/office/drawing/2014/main" id="{3629484E-3792-4B3D-89AD-7C8A1ED0E0D4}"/>
               </a:ext>
               <a:ext uri="{C183D7F6-B498-43B3-948B-1728B52AA6E4}">
-                <adec:decorative xmlns:adec="http://schemas.microsoft.com/office/drawing/2017/decorative" xmlns="" val="1"/>
+                <adec:decorative xmlns="" xmlns:adec="http://schemas.microsoft.com/office/drawing/2017/decorative" val="1"/>
               </a:ext>
             </a:extLst>
           </p:cNvPr>
@@ -23969,7 +23969,7 @@
           <p:nvPr>
             <p:extLst>
               <p:ext uri="{386F3935-93C4-4BCD-93E2-E3B085C9AB24}">
-                <p16:designElem xmlns:p16="http://schemas.microsoft.com/office/powerpoint/2015/main" xmlns="" val="1"/>
+                <p16:designElem xmlns="" xmlns:p16="http://schemas.microsoft.com/office/powerpoint/2015/main" val="1"/>
               </p:ext>
             </p:extLst>
           </p:nvPr>
@@ -24093,10 +24093,10 @@
           <p:cNvPr id="35" name="Rectangle 34">
             <a:extLst>
               <a:ext uri="{FF2B5EF4-FFF2-40B4-BE49-F238E27FC236}">
-                <a16:creationId xmlns:a16="http://schemas.microsoft.com/office/drawing/2014/main" xmlns="" id="{955A2079-FA98-4876-80F0-72364A7D2EA4}"/>
+                <a16:creationId xmlns="" xmlns:a16="http://schemas.microsoft.com/office/drawing/2014/main" id="{955A2079-FA98-4876-80F0-72364A7D2EA4}"/>
               </a:ext>
               <a:ext uri="{C183D7F6-B498-43B3-948B-1728B52AA6E4}">
-                <adec:decorative xmlns:adec="http://schemas.microsoft.com/office/drawing/2017/decorative" xmlns="" val="1"/>
+                <adec:decorative xmlns="" xmlns:adec="http://schemas.microsoft.com/office/drawing/2017/decorative" val="1"/>
               </a:ext>
             </a:extLst>
           </p:cNvPr>
@@ -24106,7 +24106,7 @@
           <p:nvPr>
             <p:extLst>
               <p:ext uri="{386F3935-93C4-4BCD-93E2-E3B085C9AB24}">
-                <p16:designElem xmlns:p16="http://schemas.microsoft.com/office/powerpoint/2015/main" xmlns="" val="1"/>
+                <p16:designElem xmlns="" xmlns:p16="http://schemas.microsoft.com/office/powerpoint/2015/main" val="1"/>
               </p:ext>
             </p:extLst>
           </p:nvPr>
@@ -24153,7 +24153,7 @@
           <p:cNvPr id="2" name="Titel 1">
             <a:extLst>
               <a:ext uri="{FF2B5EF4-FFF2-40B4-BE49-F238E27FC236}">
-                <a16:creationId xmlns:a16="http://schemas.microsoft.com/office/drawing/2014/main" xmlns="" id="{56742605-0377-FB21-B9E3-281D79C027F6}"/>
+                <a16:creationId xmlns="" xmlns:a16="http://schemas.microsoft.com/office/drawing/2014/main" id="{56742605-0377-FB21-B9E3-281D79C027F6}"/>
               </a:ext>
             </a:extLst>
           </p:cNvPr>
@@ -24189,7 +24189,7 @@
           <p:cNvPr id="5" name="Tijdelijke aanduiding voor inhoud 2">
             <a:extLst>
               <a:ext uri="{FF2B5EF4-FFF2-40B4-BE49-F238E27FC236}">
-                <a16:creationId xmlns:a16="http://schemas.microsoft.com/office/drawing/2014/main" xmlns="" id="{988D74DA-6F4B-D762-6234-6596D96F285D}"/>
+                <a16:creationId xmlns="" xmlns:a16="http://schemas.microsoft.com/office/drawing/2014/main" id="{988D74DA-6F4B-D762-6234-6596D96F285D}"/>
               </a:ext>
             </a:extLst>
           </p:cNvPr>
@@ -24217,10 +24217,10 @@
       </p:graphicFrame>
       <p:pic>
         <p:nvPicPr>
-          <p:cNvPr id="6" name="Graphic 5" descr="Toekomst met effen opvulling">
+          <p:cNvPr id="8" name="Graphic 7" descr="Venn-diagram met effen opvulling">
             <a:extLst>
               <a:ext uri="{FF2B5EF4-FFF2-40B4-BE49-F238E27FC236}">
-                <a16:creationId xmlns:a16="http://schemas.microsoft.com/office/drawing/2014/main" xmlns="" id="{E9907F9E-C1E4-02AE-E57F-77C0C6222734}"/>
+                <a16:creationId xmlns="" xmlns:a16="http://schemas.microsoft.com/office/drawing/2014/main" id="{C17FEEAF-072F-A8A8-E46B-78F4EC4A2EA7}"/>
               </a:ext>
             </a:extLst>
           </p:cNvPr>
@@ -24236,46 +24236,7 @@
                 <a14:useLocalDpi xmlns:a14="http://schemas.microsoft.com/office/drawing/2010/main" val="0"/>
               </a:ext>
               <a:ext uri="{96DAC541-7B7A-43D3-8B79-37D633B846F1}">
-                <asvg:svgBlip xmlns:asvg="http://schemas.microsoft.com/office/drawing/2016/SVG/main" xmlns="" r:embed="rId8"/>
-              </a:ext>
-            </a:extLst>
-          </a:blip>
-          <a:stretch>
-            <a:fillRect/>
-          </a:stretch>
-        </p:blipFill>
-        <p:spPr>
-          <a:xfrm>
-            <a:off x="987357" y="2152625"/>
-            <a:ext cx="694742" cy="694742"/>
-          </a:xfrm>
-          <a:prstGeom prst="rect">
-            <a:avLst/>
-          </a:prstGeom>
-        </p:spPr>
-      </p:pic>
-      <p:pic>
-        <p:nvPicPr>
-          <p:cNvPr id="8" name="Graphic 7" descr="Venn-diagram met effen opvulling">
-            <a:extLst>
-              <a:ext uri="{FF2B5EF4-FFF2-40B4-BE49-F238E27FC236}">
-                <a16:creationId xmlns:a16="http://schemas.microsoft.com/office/drawing/2014/main" xmlns="" id="{C17FEEAF-072F-A8A8-E46B-78F4EC4A2EA7}"/>
-              </a:ext>
-            </a:extLst>
-          </p:cNvPr>
-          <p:cNvPicPr>
-            <a:picLocks noChangeAspect="1"/>
-          </p:cNvPicPr>
-          <p:nvPr/>
-        </p:nvPicPr>
-        <p:blipFill>
-          <a:blip r:embed="rId9" cstate="print">
-            <a:extLst>
-              <a:ext uri="{28A0092B-C50C-407E-A947-70E740481C1C}">
-                <a14:useLocalDpi xmlns:a14="http://schemas.microsoft.com/office/drawing/2010/main" val="0"/>
-              </a:ext>
-              <a:ext uri="{96DAC541-7B7A-43D3-8B79-37D633B846F1}">
-                <asvg:svgBlip xmlns:asvg="http://schemas.microsoft.com/office/drawing/2016/SVG/main" xmlns="" r:embed="rId10"/>
+                <asvg:svgBlip xmlns="" xmlns:asvg="http://schemas.microsoft.com/office/drawing/2016/SVG/main" r:embed="rId10"/>
               </a:ext>
             </a:extLst>
           </a:blip>
@@ -24298,7 +24259,7 @@
           <p:cNvPr id="16" name="Graphic 15" descr="Docent met effen opvulling">
             <a:extLst>
               <a:ext uri="{FF2B5EF4-FFF2-40B4-BE49-F238E27FC236}">
-                <a16:creationId xmlns:a16="http://schemas.microsoft.com/office/drawing/2014/main" xmlns="" id="{DD06DA3D-4254-2DAC-22A7-ACC6E3FDA1B8}"/>
+                <a16:creationId xmlns="" xmlns:a16="http://schemas.microsoft.com/office/drawing/2014/main" id="{DD06DA3D-4254-2DAC-22A7-ACC6E3FDA1B8}"/>
               </a:ext>
             </a:extLst>
           </p:cNvPr>
@@ -24314,7 +24275,7 @@
                 <a14:useLocalDpi xmlns:a14="http://schemas.microsoft.com/office/drawing/2010/main" val="0"/>
               </a:ext>
               <a:ext uri="{96DAC541-7B7A-43D3-8B79-37D633B846F1}">
-                <asvg:svgBlip xmlns:asvg="http://schemas.microsoft.com/office/drawing/2016/SVG/main" xmlns="" r:embed="rId12"/>
+                <asvg:svgBlip xmlns="" xmlns:asvg="http://schemas.microsoft.com/office/drawing/2016/SVG/main" r:embed="rId12"/>
               </a:ext>
             </a:extLst>
           </a:blip>
@@ -24337,7 +24298,7 @@
           <p:cNvPr id="45" name="Graphic 44" descr="Recycleren met effen opvulling">
             <a:extLst>
               <a:ext uri="{FF2B5EF4-FFF2-40B4-BE49-F238E27FC236}">
-                <a16:creationId xmlns:a16="http://schemas.microsoft.com/office/drawing/2014/main" xmlns="" id="{A352241D-0024-B44D-AD47-2742CBE72AF5}"/>
+                <a16:creationId xmlns="" xmlns:a16="http://schemas.microsoft.com/office/drawing/2014/main" id="{A352241D-0024-B44D-AD47-2742CBE72AF5}"/>
               </a:ext>
             </a:extLst>
           </p:cNvPr>
@@ -24353,7 +24314,7 @@
                 <a14:useLocalDpi xmlns:a14="http://schemas.microsoft.com/office/drawing/2010/main" val="0"/>
               </a:ext>
               <a:ext uri="{96DAC541-7B7A-43D3-8B79-37D633B846F1}">
-                <asvg:svgBlip xmlns:asvg="http://schemas.microsoft.com/office/drawing/2016/SVG/main" xmlns="" r:embed="rId14"/>
+                <asvg:svgBlip xmlns="" xmlns:asvg="http://schemas.microsoft.com/office/drawing/2016/SVG/main" r:embed="rId14"/>
               </a:ext>
             </a:extLst>
           </a:blip>
@@ -24371,6 +24332,75 @@
           </a:prstGeom>
         </p:spPr>
       </p:pic>
+      <p:sp>
+        <p:nvSpPr>
+          <p:cNvPr id="9" name="Rectangle 8" descr="Head with Gears"/>
+          <p:cNvSpPr/>
+          <p:nvPr/>
+        </p:nvSpPr>
+        <p:spPr>
+          <a:xfrm>
+            <a:off x="1012659" y="2163845"/>
+            <a:ext cx="669439" cy="667795"/>
+          </a:xfrm>
+          <a:prstGeom prst="rect">
+            <a:avLst/>
+          </a:prstGeom>
+          <a:blipFill>
+            <a:blip r:embed="rId15" cstate="print">
+              <a:duotone>
+                <a:prstClr val="black"/>
+                <a:schemeClr val="accent5">
+                  <a:tint val="45000"/>
+                  <a:satMod val="400000"/>
+                </a:schemeClr>
+              </a:duotone>
+              <a:extLst>
+                <a:ext uri="{BEBA8EAE-BF5A-486C-A8C5-ECC9F3942E4B}">
+                  <a14:imgProps xmlns:a14="http://schemas.microsoft.com/office/drawing/2010/main">
+                    <a14:imgLayer r:embed="rId16">
+                      <a14:imgEffect>
+                        <a14:brightnessContrast bright="20000"/>
+                      </a14:imgEffect>
+                    </a14:imgLayer>
+                  </a14:imgProps>
+                </a:ext>
+                <a:ext uri="{28A0092B-C50C-407E-A947-70E740481C1C}">
+                  <a14:useLocalDpi xmlns:a14="http://schemas.microsoft.com/office/drawing/2010/main" val="0"/>
+                </a:ext>
+                <a:ext uri="{96DAC541-7B7A-43D3-8B79-37D633B846F1}">
+                  <asvg:svgBlip xmlns:dgm="http://schemas.openxmlformats.org/drawingml/2006/diagram" xmlns:asvg="http://schemas.microsoft.com/office/drawing/2016/SVG/main" xmlns="" xmlns:lc="http://schemas.openxmlformats.org/drawingml/2006/lockedCanvas" r:embed="rId17"/>
+                </a:ext>
+              </a:extLst>
+            </a:blip>
+            <a:stretch>
+              <a:fillRect/>
+            </a:stretch>
+          </a:blipFill>
+          <a:ln>
+            <a:noFill/>
+          </a:ln>
+        </p:spPr>
+        <p:style>
+          <a:lnRef idx="2">
+            <a:scrgbClr r="0" g="0" b="0"/>
+          </a:lnRef>
+          <a:fillRef idx="1">
+            <a:scrgbClr r="0" g="0" b="0"/>
+          </a:fillRef>
+          <a:effectRef idx="0">
+            <a:schemeClr val="accent5">
+              <a:hueOff val="-4505695"/>
+              <a:satOff val="-11613"/>
+              <a:lumOff val="-7843"/>
+              <a:alphaOff val="0"/>
+            </a:schemeClr>
+          </a:effectRef>
+          <a:fontRef idx="minor">
+            <a:schemeClr val="lt1"/>
+          </a:fontRef>
+        </p:style>
+      </p:sp>
     </p:spTree>
     <p:extLst>
       <p:ext uri="{BB962C8B-B14F-4D97-AF65-F5344CB8AC3E}">
@@ -24421,10 +24451,10 @@
           <p:cNvPr id="51" name="Rectangle 50">
             <a:extLst>
               <a:ext uri="{FF2B5EF4-FFF2-40B4-BE49-F238E27FC236}">
-                <a16:creationId xmlns:a16="http://schemas.microsoft.com/office/drawing/2014/main" xmlns="" id="{955A2079-FA98-4876-80F0-72364A7D2EA4}"/>
+                <a16:creationId xmlns="" xmlns:a16="http://schemas.microsoft.com/office/drawing/2014/main" id="{955A2079-FA98-4876-80F0-72364A7D2EA4}"/>
               </a:ext>
               <a:ext uri="{C183D7F6-B498-43B3-948B-1728B52AA6E4}">
-                <adec:decorative xmlns:adec="http://schemas.microsoft.com/office/drawing/2017/decorative" xmlns="" val="1"/>
+                <adec:decorative xmlns="" xmlns:adec="http://schemas.microsoft.com/office/drawing/2017/decorative" val="1"/>
               </a:ext>
             </a:extLst>
           </p:cNvPr>
@@ -24434,7 +24464,7 @@
           <p:nvPr>
             <p:extLst>
               <p:ext uri="{386F3935-93C4-4BCD-93E2-E3B085C9AB24}">
-                <p16:designElem xmlns:p16="http://schemas.microsoft.com/office/powerpoint/2015/main" xmlns="" val="1"/>
+                <p16:designElem xmlns="" xmlns:p16="http://schemas.microsoft.com/office/powerpoint/2015/main" val="1"/>
               </p:ext>
             </p:extLst>
           </p:nvPr>
@@ -24481,7 +24511,7 @@
           <p:cNvPr id="2" name="Titel 1">
             <a:extLst>
               <a:ext uri="{FF2B5EF4-FFF2-40B4-BE49-F238E27FC236}">
-                <a16:creationId xmlns:a16="http://schemas.microsoft.com/office/drawing/2014/main" xmlns="" id="{BAEE3A88-727C-726D-74C1-553E4F869B33}"/>
+                <a16:creationId xmlns="" xmlns:a16="http://schemas.microsoft.com/office/drawing/2014/main" id="{BAEE3A88-727C-726D-74C1-553E4F869B33}"/>
               </a:ext>
             </a:extLst>
           </p:cNvPr>
@@ -24522,7 +24552,7 @@
           <p:cNvPr id="39" name="Tijdelijke aanduiding voor inhoud 2">
             <a:extLst>
               <a:ext uri="{FF2B5EF4-FFF2-40B4-BE49-F238E27FC236}">
-                <a16:creationId xmlns:a16="http://schemas.microsoft.com/office/drawing/2014/main" xmlns="" id="{9F470E08-3E58-7FE8-91F8-FF37F18BD92F}"/>
+                <a16:creationId xmlns="" xmlns:a16="http://schemas.microsoft.com/office/drawing/2014/main" id="{9F470E08-3E58-7FE8-91F8-FF37F18BD92F}"/>
               </a:ext>
             </a:extLst>
           </p:cNvPr>
@@ -24590,7 +24620,7 @@
           <p:cNvPr id="2" name="Titel 1">
             <a:extLst>
               <a:ext uri="{FF2B5EF4-FFF2-40B4-BE49-F238E27FC236}">
-                <a16:creationId xmlns:a16="http://schemas.microsoft.com/office/drawing/2014/main" xmlns="" id="{BAEE3A88-727C-726D-74C1-553E4F869B33}"/>
+                <a16:creationId xmlns="" xmlns:a16="http://schemas.microsoft.com/office/drawing/2014/main" id="{BAEE3A88-727C-726D-74C1-553E4F869B33}"/>
               </a:ext>
             </a:extLst>
           </p:cNvPr>
@@ -24626,7 +24656,7 @@
           <p:cNvPr id="5" name="Groep 4">
             <a:extLst>
               <a:ext uri="{FF2B5EF4-FFF2-40B4-BE49-F238E27FC236}">
-                <a16:creationId xmlns:a16="http://schemas.microsoft.com/office/drawing/2014/main" xmlns="" id="{B5B34172-3150-26DD-CAD2-D019065E35DB}"/>
+                <a16:creationId xmlns="" xmlns:a16="http://schemas.microsoft.com/office/drawing/2014/main" id="{B5B34172-3150-26DD-CAD2-D019065E35DB}"/>
               </a:ext>
             </a:extLst>
           </p:cNvPr>
@@ -24646,14 +24676,14 @@
             <p:cNvPr id="7" name="OTLSHAPE_M_a58f29487c0343c08abcf41913e40cae_Connector1">
               <a:extLst>
                 <a:ext uri="{FF2B5EF4-FFF2-40B4-BE49-F238E27FC236}">
-                  <a16:creationId xmlns:a16="http://schemas.microsoft.com/office/drawing/2014/main" xmlns="" id="{9957D172-B774-5106-05E0-874CD3B4A981}"/>
+                  <a16:creationId xmlns="" xmlns:a16="http://schemas.microsoft.com/office/drawing/2014/main" id="{9957D172-B774-5106-05E0-874CD3B4A981}"/>
                 </a:ext>
               </a:extLst>
             </p:cNvPr>
             <p:cNvCxnSpPr/>
             <p:nvPr>
               <p:custDataLst>
-                <p:tags r:id="rId1"/>
+                <p:tags r:id="rId4"/>
               </p:custDataLst>
             </p:nvPr>
           </p:nvCxnSpPr>
@@ -24695,14 +24725,14 @@
             <p:cNvPr id="8" name="OTLSHAPE_TB_00000000000000000000000000000000_ScaleContainer">
               <a:extLst>
                 <a:ext uri="{FF2B5EF4-FFF2-40B4-BE49-F238E27FC236}">
-                  <a16:creationId xmlns:a16="http://schemas.microsoft.com/office/drawing/2014/main" xmlns="" id="{211DA9E6-BB4D-992E-175C-09E4DF209AA1}"/>
+                  <a16:creationId xmlns="" xmlns:a16="http://schemas.microsoft.com/office/drawing/2014/main" id="{211DA9E6-BB4D-992E-175C-09E4DF209AA1}"/>
                 </a:ext>
               </a:extLst>
             </p:cNvPr>
             <p:cNvSpPr/>
             <p:nvPr>
               <p:custDataLst>
-                <p:tags r:id="rId2"/>
+                <p:tags r:id="rId5"/>
               </p:custDataLst>
             </p:nvPr>
           </p:nvSpPr>
@@ -24809,14 +24839,14 @@
             <p:cNvPr id="9" name="OTLSHAPE_TB_00000000000000000000000000000000_Separator1">
               <a:extLst>
                 <a:ext uri="{FF2B5EF4-FFF2-40B4-BE49-F238E27FC236}">
-                  <a16:creationId xmlns:a16="http://schemas.microsoft.com/office/drawing/2014/main" xmlns="" id="{0D25C35D-939A-BE1E-3322-E1C164C6CEA0}"/>
+                  <a16:creationId xmlns="" xmlns:a16="http://schemas.microsoft.com/office/drawing/2014/main" id="{0D25C35D-939A-BE1E-3322-E1C164C6CEA0}"/>
                 </a:ext>
               </a:extLst>
             </p:cNvPr>
             <p:cNvCxnSpPr/>
             <p:nvPr>
               <p:custDataLst>
-                <p:tags r:id="rId3"/>
+                <p:tags r:id="rId6"/>
               </p:custDataLst>
             </p:nvPr>
           </p:nvCxnSpPr>
@@ -24860,14 +24890,14 @@
             <p:cNvPr id="10" name="OTLSHAPE_TB_00000000000000000000000000000000_TimescaleInterval2">
               <a:extLst>
                 <a:ext uri="{FF2B5EF4-FFF2-40B4-BE49-F238E27FC236}">
-                  <a16:creationId xmlns:a16="http://schemas.microsoft.com/office/drawing/2014/main" xmlns="" id="{E3D9A80F-CE6A-697E-5299-82FFBFAEAD2C}"/>
+                  <a16:creationId xmlns="" xmlns:a16="http://schemas.microsoft.com/office/drawing/2014/main" id="{E3D9A80F-CE6A-697E-5299-82FFBFAEAD2C}"/>
                 </a:ext>
               </a:extLst>
             </p:cNvPr>
             <p:cNvSpPr txBox="1"/>
             <p:nvPr>
               <p:custDataLst>
-                <p:tags r:id="rId4"/>
+                <p:tags r:id="rId7"/>
               </p:custDataLst>
             </p:nvPr>
           </p:nvSpPr>
@@ -24921,14 +24951,14 @@
             <p:cNvPr id="11" name="OTLSHAPE_TB_00000000000000000000000000000000_Separator2">
               <a:extLst>
                 <a:ext uri="{FF2B5EF4-FFF2-40B4-BE49-F238E27FC236}">
-                  <a16:creationId xmlns:a16="http://schemas.microsoft.com/office/drawing/2014/main" xmlns="" id="{3DB9C1CC-3C6C-CD65-6CDD-1EFF70C82229}"/>
+                  <a16:creationId xmlns="" xmlns:a16="http://schemas.microsoft.com/office/drawing/2014/main" id="{3DB9C1CC-3C6C-CD65-6CDD-1EFF70C82229}"/>
                 </a:ext>
               </a:extLst>
             </p:cNvPr>
             <p:cNvCxnSpPr/>
             <p:nvPr>
               <p:custDataLst>
-                <p:tags r:id="rId5"/>
+                <p:tags r:id="rId8"/>
               </p:custDataLst>
             </p:nvPr>
           </p:nvCxnSpPr>
@@ -24972,14 +25002,14 @@
             <p:cNvPr id="12" name="OTLSHAPE_TB_00000000000000000000000000000000_TimescaleInterval3">
               <a:extLst>
                 <a:ext uri="{FF2B5EF4-FFF2-40B4-BE49-F238E27FC236}">
-                  <a16:creationId xmlns:a16="http://schemas.microsoft.com/office/drawing/2014/main" xmlns="" id="{5C860E24-6CDD-EF33-0193-ADB625FF4088}"/>
+                  <a16:creationId xmlns="" xmlns:a16="http://schemas.microsoft.com/office/drawing/2014/main" id="{5C860E24-6CDD-EF33-0193-ADB625FF4088}"/>
                 </a:ext>
               </a:extLst>
             </p:cNvPr>
             <p:cNvSpPr txBox="1"/>
             <p:nvPr>
               <p:custDataLst>
-                <p:tags r:id="rId6"/>
+                <p:tags r:id="rId9"/>
               </p:custDataLst>
             </p:nvPr>
           </p:nvSpPr>
@@ -25041,14 +25071,14 @@
             <p:cNvPr id="13" name="OTLSHAPE_TB_00000000000000000000000000000000_Separator3">
               <a:extLst>
                 <a:ext uri="{FF2B5EF4-FFF2-40B4-BE49-F238E27FC236}">
-                  <a16:creationId xmlns:a16="http://schemas.microsoft.com/office/drawing/2014/main" xmlns="" id="{251583A8-C439-9FE7-A54A-BAE98D909BFA}"/>
+                  <a16:creationId xmlns="" xmlns:a16="http://schemas.microsoft.com/office/drawing/2014/main" id="{251583A8-C439-9FE7-A54A-BAE98D909BFA}"/>
                 </a:ext>
               </a:extLst>
             </p:cNvPr>
             <p:cNvCxnSpPr/>
             <p:nvPr>
               <p:custDataLst>
-                <p:tags r:id="rId7"/>
+                <p:tags r:id="rId10"/>
               </p:custDataLst>
             </p:nvPr>
           </p:nvCxnSpPr>
@@ -25092,14 +25122,14 @@
             <p:cNvPr id="14" name="OTLSHAPE_TB_00000000000000000000000000000000_TimescaleInterval4">
               <a:extLst>
                 <a:ext uri="{FF2B5EF4-FFF2-40B4-BE49-F238E27FC236}">
-                  <a16:creationId xmlns:a16="http://schemas.microsoft.com/office/drawing/2014/main" xmlns="" id="{954D8823-F728-9D6C-F1E1-B8B78EEDC49B}"/>
+                  <a16:creationId xmlns="" xmlns:a16="http://schemas.microsoft.com/office/drawing/2014/main" id="{954D8823-F728-9D6C-F1E1-B8B78EEDC49B}"/>
                 </a:ext>
               </a:extLst>
             </p:cNvPr>
             <p:cNvSpPr txBox="1"/>
             <p:nvPr>
               <p:custDataLst>
-                <p:tags r:id="rId8"/>
+                <p:tags r:id="rId11"/>
               </p:custDataLst>
             </p:nvPr>
           </p:nvSpPr>
@@ -25161,14 +25191,14 @@
             <p:cNvPr id="15" name="OTLSHAPE_TB_00000000000000000000000000000000_Separator4">
               <a:extLst>
                 <a:ext uri="{FF2B5EF4-FFF2-40B4-BE49-F238E27FC236}">
-                  <a16:creationId xmlns:a16="http://schemas.microsoft.com/office/drawing/2014/main" xmlns="" id="{D2B68AFE-DD2A-0302-3BA3-C9C2FF47385B}"/>
+                  <a16:creationId xmlns="" xmlns:a16="http://schemas.microsoft.com/office/drawing/2014/main" id="{D2B68AFE-DD2A-0302-3BA3-C9C2FF47385B}"/>
                 </a:ext>
               </a:extLst>
             </p:cNvPr>
             <p:cNvCxnSpPr/>
             <p:nvPr>
               <p:custDataLst>
-                <p:tags r:id="rId9"/>
+                <p:tags r:id="rId12"/>
               </p:custDataLst>
             </p:nvPr>
           </p:nvCxnSpPr>
@@ -25212,14 +25242,14 @@
             <p:cNvPr id="16" name="OTLSHAPE_TB_00000000000000000000000000000000_TimescaleInterval5">
               <a:extLst>
                 <a:ext uri="{FF2B5EF4-FFF2-40B4-BE49-F238E27FC236}">
-                  <a16:creationId xmlns:a16="http://schemas.microsoft.com/office/drawing/2014/main" xmlns="" id="{7D2C433B-D60A-E8F7-E238-21252F2DDC3B}"/>
+                  <a16:creationId xmlns="" xmlns:a16="http://schemas.microsoft.com/office/drawing/2014/main" id="{7D2C433B-D60A-E8F7-E238-21252F2DDC3B}"/>
                 </a:ext>
               </a:extLst>
             </p:cNvPr>
             <p:cNvSpPr txBox="1"/>
             <p:nvPr>
               <p:custDataLst>
-                <p:tags r:id="rId10"/>
+                <p:tags r:id="rId13"/>
               </p:custDataLst>
             </p:nvPr>
           </p:nvSpPr>
@@ -25281,14 +25311,14 @@
             <p:cNvPr id="17" name="OTLSHAPE_TB_00000000000000000000000000000000_Separator5">
               <a:extLst>
                 <a:ext uri="{FF2B5EF4-FFF2-40B4-BE49-F238E27FC236}">
-                  <a16:creationId xmlns:a16="http://schemas.microsoft.com/office/drawing/2014/main" xmlns="" id="{2B5F49D0-B440-4B66-D6C6-475B074785C5}"/>
+                  <a16:creationId xmlns="" xmlns:a16="http://schemas.microsoft.com/office/drawing/2014/main" id="{2B5F49D0-B440-4B66-D6C6-475B074785C5}"/>
                 </a:ext>
               </a:extLst>
             </p:cNvPr>
             <p:cNvCxnSpPr/>
             <p:nvPr>
               <p:custDataLst>
-                <p:tags r:id="rId11"/>
+                <p:tags r:id="rId14"/>
               </p:custDataLst>
             </p:nvPr>
           </p:nvCxnSpPr>
@@ -25332,14 +25362,14 @@
             <p:cNvPr id="18" name="OTLSHAPE_TB_00000000000000000000000000000000_TimescaleInterval6">
               <a:extLst>
                 <a:ext uri="{FF2B5EF4-FFF2-40B4-BE49-F238E27FC236}">
-                  <a16:creationId xmlns:a16="http://schemas.microsoft.com/office/drawing/2014/main" xmlns="" id="{39B9BAF6-302F-8002-B84B-B66A97223BD0}"/>
+                  <a16:creationId xmlns="" xmlns:a16="http://schemas.microsoft.com/office/drawing/2014/main" id="{39B9BAF6-302F-8002-B84B-B66A97223BD0}"/>
                 </a:ext>
               </a:extLst>
             </p:cNvPr>
             <p:cNvSpPr txBox="1"/>
             <p:nvPr>
               <p:custDataLst>
-                <p:tags r:id="rId12"/>
+                <p:tags r:id="rId15"/>
               </p:custDataLst>
             </p:nvPr>
           </p:nvSpPr>
@@ -25401,14 +25431,14 @@
             <p:cNvPr id="19" name="OTLSHAPE_TB_00000000000000000000000000000000_Separator6">
               <a:extLst>
                 <a:ext uri="{FF2B5EF4-FFF2-40B4-BE49-F238E27FC236}">
-                  <a16:creationId xmlns:a16="http://schemas.microsoft.com/office/drawing/2014/main" xmlns="" id="{DA6BEC86-4E98-5630-EDC7-1BB2F6299ED7}"/>
+                  <a16:creationId xmlns="" xmlns:a16="http://schemas.microsoft.com/office/drawing/2014/main" id="{DA6BEC86-4E98-5630-EDC7-1BB2F6299ED7}"/>
                 </a:ext>
               </a:extLst>
             </p:cNvPr>
             <p:cNvCxnSpPr/>
             <p:nvPr>
               <p:custDataLst>
-                <p:tags r:id="rId13"/>
+                <p:tags r:id="rId16"/>
               </p:custDataLst>
             </p:nvPr>
           </p:nvCxnSpPr>
@@ -25452,14 +25482,14 @@
             <p:cNvPr id="20" name="OTLSHAPE_TB_00000000000000000000000000000000_TimescaleInterval7">
               <a:extLst>
                 <a:ext uri="{FF2B5EF4-FFF2-40B4-BE49-F238E27FC236}">
-                  <a16:creationId xmlns:a16="http://schemas.microsoft.com/office/drawing/2014/main" xmlns="" id="{C60C6507-CDA1-55D7-2352-D2CB4B5E5F2A}"/>
+                  <a16:creationId xmlns="" xmlns:a16="http://schemas.microsoft.com/office/drawing/2014/main" id="{C60C6507-CDA1-55D7-2352-D2CB4B5E5F2A}"/>
                 </a:ext>
               </a:extLst>
             </p:cNvPr>
             <p:cNvSpPr txBox="1"/>
             <p:nvPr>
               <p:custDataLst>
-                <p:tags r:id="rId14"/>
+                <p:tags r:id="rId17"/>
               </p:custDataLst>
             </p:nvPr>
           </p:nvSpPr>
@@ -25521,14 +25551,14 @@
             <p:cNvPr id="21" name="OTLSHAPE_M_a58f29487c0343c08abcf41913e40cae_Title">
               <a:extLst>
                 <a:ext uri="{FF2B5EF4-FFF2-40B4-BE49-F238E27FC236}">
-                  <a16:creationId xmlns:a16="http://schemas.microsoft.com/office/drawing/2014/main" xmlns="" id="{41FD43BF-3760-5566-E4B8-52B953E3C514}"/>
+                  <a16:creationId xmlns="" xmlns:a16="http://schemas.microsoft.com/office/drawing/2014/main" id="{41FD43BF-3760-5566-E4B8-52B953E3C514}"/>
                 </a:ext>
               </a:extLst>
             </p:cNvPr>
             <p:cNvSpPr txBox="1"/>
             <p:nvPr>
               <p:custDataLst>
-                <p:tags r:id="rId15"/>
+                <p:tags r:id="rId18"/>
               </p:custDataLst>
             </p:nvPr>
           </p:nvSpPr>
@@ -25641,14 +25671,14 @@
             <p:cNvPr id="22" name="OTLSHAPE_M_a58f29487c0343c08abcf41913e40cae_Date">
               <a:extLst>
                 <a:ext uri="{FF2B5EF4-FFF2-40B4-BE49-F238E27FC236}">
-                  <a16:creationId xmlns:a16="http://schemas.microsoft.com/office/drawing/2014/main" xmlns="" id="{BDC01B89-8E11-8EC8-1E25-96D19E6E0339}"/>
+                  <a16:creationId xmlns="" xmlns:a16="http://schemas.microsoft.com/office/drawing/2014/main" id="{BDC01B89-8E11-8EC8-1E25-96D19E6E0339}"/>
                 </a:ext>
               </a:extLst>
             </p:cNvPr>
             <p:cNvSpPr txBox="1"/>
             <p:nvPr>
               <p:custDataLst>
-                <p:tags r:id="rId16"/>
+                <p:tags r:id="rId19"/>
               </p:custDataLst>
             </p:nvPr>
           </p:nvSpPr>
@@ -25710,14 +25740,14 @@
             <p:cNvPr id="23" name="OTLSHAPE_M_a58f29487c0343c08abcf41913e40cae_Shape">
               <a:extLst>
                 <a:ext uri="{FF2B5EF4-FFF2-40B4-BE49-F238E27FC236}">
-                  <a16:creationId xmlns:a16="http://schemas.microsoft.com/office/drawing/2014/main" xmlns="" id="{723E4C85-B262-CCD0-14AE-5C7E321D3A05}"/>
+                  <a16:creationId xmlns="" xmlns:a16="http://schemas.microsoft.com/office/drawing/2014/main" id="{723E4C85-B262-CCD0-14AE-5C7E321D3A05}"/>
                 </a:ext>
               </a:extLst>
             </p:cNvPr>
             <p:cNvSpPr/>
             <p:nvPr>
               <p:custDataLst>
-                <p:tags r:id="rId17"/>
+                <p:tags r:id="rId20"/>
               </p:custDataLst>
             </p:nvPr>
           </p:nvSpPr>
@@ -25832,14 +25862,14 @@
             <p:cNvPr id="24" name="OTLSHAPE_M_52743de8bb6d4044896f473898fe9da7_Title">
               <a:extLst>
                 <a:ext uri="{FF2B5EF4-FFF2-40B4-BE49-F238E27FC236}">
-                  <a16:creationId xmlns:a16="http://schemas.microsoft.com/office/drawing/2014/main" xmlns="" id="{4F549B4C-E3CF-AF15-D71B-A2C8F622AF76}"/>
+                  <a16:creationId xmlns="" xmlns:a16="http://schemas.microsoft.com/office/drawing/2014/main" id="{4F549B4C-E3CF-AF15-D71B-A2C8F622AF76}"/>
                 </a:ext>
               </a:extLst>
             </p:cNvPr>
             <p:cNvSpPr txBox="1"/>
             <p:nvPr>
               <p:custDataLst>
-                <p:tags r:id="rId18"/>
+                <p:tags r:id="rId21"/>
               </p:custDataLst>
             </p:nvPr>
           </p:nvSpPr>
@@ -25901,14 +25931,14 @@
             <p:cNvPr id="25" name="OTLSHAPE_M_52743de8bb6d4044896f473898fe9da7_Shape">
               <a:extLst>
                 <a:ext uri="{FF2B5EF4-FFF2-40B4-BE49-F238E27FC236}">
-                  <a16:creationId xmlns:a16="http://schemas.microsoft.com/office/drawing/2014/main" xmlns="" id="{C19F3711-6530-0201-1A1A-C292936381BD}"/>
+                  <a16:creationId xmlns="" xmlns:a16="http://schemas.microsoft.com/office/drawing/2014/main" id="{C19F3711-6530-0201-1A1A-C292936381BD}"/>
                 </a:ext>
               </a:extLst>
             </p:cNvPr>
             <p:cNvSpPr/>
             <p:nvPr>
               <p:custDataLst>
-                <p:tags r:id="rId19"/>
+                <p:tags r:id="rId22"/>
               </p:custDataLst>
             </p:nvPr>
           </p:nvSpPr>
@@ -26001,14 +26031,14 @@
             <p:cNvPr id="26" name="OTLSHAPE_M_a54bc827b05146d18b559f618723e2b4_Date">
               <a:extLst>
                 <a:ext uri="{FF2B5EF4-FFF2-40B4-BE49-F238E27FC236}">
-                  <a16:creationId xmlns:a16="http://schemas.microsoft.com/office/drawing/2014/main" xmlns="" id="{2CF2A442-7638-7E7A-2471-67972201D8C0}"/>
+                  <a16:creationId xmlns="" xmlns:a16="http://schemas.microsoft.com/office/drawing/2014/main" id="{2CF2A442-7638-7E7A-2471-67972201D8C0}"/>
                 </a:ext>
               </a:extLst>
             </p:cNvPr>
             <p:cNvSpPr txBox="1"/>
             <p:nvPr>
               <p:custDataLst>
-                <p:tags r:id="rId20"/>
+                <p:tags r:id="rId23"/>
               </p:custDataLst>
             </p:nvPr>
           </p:nvSpPr>
@@ -26070,14 +26100,14 @@
             <p:cNvPr id="27" name="OTLSHAPE_M_95f339bb5c8846ebaef02014bccbd531_Shape">
               <a:extLst>
                 <a:ext uri="{FF2B5EF4-FFF2-40B4-BE49-F238E27FC236}">
-                  <a16:creationId xmlns:a16="http://schemas.microsoft.com/office/drawing/2014/main" xmlns="" id="{07CE83D7-EACB-6AE3-C691-E84194BC370B}"/>
+                  <a16:creationId xmlns="" xmlns:a16="http://schemas.microsoft.com/office/drawing/2014/main" id="{07CE83D7-EACB-6AE3-C691-E84194BC370B}"/>
                 </a:ext>
               </a:extLst>
             </p:cNvPr>
             <p:cNvSpPr/>
             <p:nvPr>
               <p:custDataLst>
-                <p:tags r:id="rId21"/>
+                <p:tags r:id="rId24"/>
               </p:custDataLst>
             </p:nvPr>
           </p:nvSpPr>
@@ -26192,14 +26222,14 @@
             <p:cNvPr id="28" name="OTLSHAPE_T_06a6a20021ea4acdac20b41f7b37b0dd_Title">
               <a:extLst>
                 <a:ext uri="{FF2B5EF4-FFF2-40B4-BE49-F238E27FC236}">
-                  <a16:creationId xmlns:a16="http://schemas.microsoft.com/office/drawing/2014/main" xmlns="" id="{584FBA70-7D31-E5B3-A2C6-A4CFD2E97DA8}"/>
+                  <a16:creationId xmlns="" xmlns:a16="http://schemas.microsoft.com/office/drawing/2014/main" id="{584FBA70-7D31-E5B3-A2C6-A4CFD2E97DA8}"/>
                 </a:ext>
               </a:extLst>
             </p:cNvPr>
             <p:cNvSpPr txBox="1"/>
             <p:nvPr>
               <p:custDataLst>
-                <p:tags r:id="rId22"/>
+                <p:tags r:id="rId25"/>
               </p:custDataLst>
             </p:nvPr>
           </p:nvSpPr>
@@ -26579,14 +26609,14 @@
             <p:cNvPr id="29" name="OTLSHAPE_T_c109be9d91f84f3e99e4929ce565dd0c_Title">
               <a:extLst>
                 <a:ext uri="{FF2B5EF4-FFF2-40B4-BE49-F238E27FC236}">
-                  <a16:creationId xmlns:a16="http://schemas.microsoft.com/office/drawing/2014/main" xmlns="" id="{105F01B3-A526-4743-BE99-CC6F2DF9EADB}"/>
+                  <a16:creationId xmlns="" xmlns:a16="http://schemas.microsoft.com/office/drawing/2014/main" id="{105F01B3-A526-4743-BE99-CC6F2DF9EADB}"/>
                 </a:ext>
               </a:extLst>
             </p:cNvPr>
             <p:cNvSpPr txBox="1"/>
             <p:nvPr>
               <p:custDataLst>
-                <p:tags r:id="rId23"/>
+                <p:tags r:id="rId26"/>
               </p:custDataLst>
             </p:nvPr>
           </p:nvSpPr>
@@ -26648,14 +26678,14 @@
             <p:cNvPr id="30" name="OTLSHAPE_T_c109be9d91f84f3e99e4929ce565dd0c_JoinedDate">
               <a:extLst>
                 <a:ext uri="{FF2B5EF4-FFF2-40B4-BE49-F238E27FC236}">
-                  <a16:creationId xmlns:a16="http://schemas.microsoft.com/office/drawing/2014/main" xmlns="" id="{77AEE814-DB53-2525-C66B-3C1EDA8086B8}"/>
+                  <a16:creationId xmlns="" xmlns:a16="http://schemas.microsoft.com/office/drawing/2014/main" id="{77AEE814-DB53-2525-C66B-3C1EDA8086B8}"/>
                 </a:ext>
               </a:extLst>
             </p:cNvPr>
             <p:cNvSpPr txBox="1"/>
             <p:nvPr>
               <p:custDataLst>
-                <p:tags r:id="rId24"/>
+                <p:tags r:id="rId27"/>
               </p:custDataLst>
             </p:nvPr>
           </p:nvSpPr>
@@ -26717,14 +26747,14 @@
             <p:cNvPr id="31" name="OTLSHAPE_TB_00000000000000000000000000000000_TimescaleInterval2">
               <a:extLst>
                 <a:ext uri="{FF2B5EF4-FFF2-40B4-BE49-F238E27FC236}">
-                  <a16:creationId xmlns:a16="http://schemas.microsoft.com/office/drawing/2014/main" xmlns="" id="{5B9AE0ED-374E-581C-04E4-5F235C6450A1}"/>
+                  <a16:creationId xmlns="" xmlns:a16="http://schemas.microsoft.com/office/drawing/2014/main" id="{5B9AE0ED-374E-581C-04E4-5F235C6450A1}"/>
                 </a:ext>
               </a:extLst>
             </p:cNvPr>
             <p:cNvSpPr txBox="1"/>
             <p:nvPr>
               <p:custDataLst>
-                <p:tags r:id="rId25"/>
+                <p:tags r:id="rId28"/>
               </p:custDataLst>
             </p:nvPr>
           </p:nvSpPr>
@@ -26778,14 +26808,14 @@
             <p:cNvPr id="32" name="OTLSHAPE_T_06a6a20021ea4acdac20b41f7b37b0dd_Title">
               <a:extLst>
                 <a:ext uri="{FF2B5EF4-FFF2-40B4-BE49-F238E27FC236}">
-                  <a16:creationId xmlns:a16="http://schemas.microsoft.com/office/drawing/2014/main" xmlns="" id="{35FCAF28-CE06-65D4-13FE-ED7A27497B1A}"/>
+                  <a16:creationId xmlns="" xmlns:a16="http://schemas.microsoft.com/office/drawing/2014/main" id="{35FCAF28-CE06-65D4-13FE-ED7A27497B1A}"/>
                 </a:ext>
               </a:extLst>
             </p:cNvPr>
             <p:cNvSpPr txBox="1"/>
             <p:nvPr>
               <p:custDataLst>
-                <p:tags r:id="rId26"/>
+                <p:tags r:id="rId29"/>
               </p:custDataLst>
             </p:nvPr>
           </p:nvSpPr>
@@ -27137,14 +27167,14 @@
             <p:cNvPr id="33" name="OTLSHAPE_M_a58f29487c0343c08abcf41913e40cae_Connector1">
               <a:extLst>
                 <a:ext uri="{FF2B5EF4-FFF2-40B4-BE49-F238E27FC236}">
-                  <a16:creationId xmlns:a16="http://schemas.microsoft.com/office/drawing/2014/main" xmlns="" id="{46983CFD-9C91-7E03-2229-160E47794ABA}"/>
+                  <a16:creationId xmlns="" xmlns:a16="http://schemas.microsoft.com/office/drawing/2014/main" id="{46983CFD-9C91-7E03-2229-160E47794ABA}"/>
                 </a:ext>
               </a:extLst>
             </p:cNvPr>
             <p:cNvCxnSpPr/>
             <p:nvPr>
               <p:custDataLst>
-                <p:tags r:id="rId27"/>
+                <p:tags r:id="rId30"/>
               </p:custDataLst>
             </p:nvPr>
           </p:nvCxnSpPr>
@@ -27186,14 +27216,14 @@
             <p:cNvPr id="34" name="OTLSHAPE_M_a58f29487c0343c08abcf41913e40cae_Title">
               <a:extLst>
                 <a:ext uri="{FF2B5EF4-FFF2-40B4-BE49-F238E27FC236}">
-                  <a16:creationId xmlns:a16="http://schemas.microsoft.com/office/drawing/2014/main" xmlns="" id="{1433D893-19CA-EE4D-1005-388793634F59}"/>
+                  <a16:creationId xmlns="" xmlns:a16="http://schemas.microsoft.com/office/drawing/2014/main" id="{1433D893-19CA-EE4D-1005-388793634F59}"/>
                 </a:ext>
               </a:extLst>
             </p:cNvPr>
             <p:cNvSpPr txBox="1"/>
             <p:nvPr>
               <p:custDataLst>
-                <p:tags r:id="rId28"/>
+                <p:tags r:id="rId31"/>
               </p:custDataLst>
             </p:nvPr>
           </p:nvSpPr>
@@ -27255,14 +27285,14 @@
             <p:cNvPr id="35" name="OTLSHAPE_M_a58f29487c0343c08abcf41913e40cae_Date">
               <a:extLst>
                 <a:ext uri="{FF2B5EF4-FFF2-40B4-BE49-F238E27FC236}">
-                  <a16:creationId xmlns:a16="http://schemas.microsoft.com/office/drawing/2014/main" xmlns="" id="{21B8B0D3-D64D-3ADE-7693-3844E28F8AEE}"/>
+                  <a16:creationId xmlns="" xmlns:a16="http://schemas.microsoft.com/office/drawing/2014/main" id="{21B8B0D3-D64D-3ADE-7693-3844E28F8AEE}"/>
                 </a:ext>
               </a:extLst>
             </p:cNvPr>
             <p:cNvSpPr txBox="1"/>
             <p:nvPr>
               <p:custDataLst>
-                <p:tags r:id="rId29"/>
+                <p:tags r:id="rId32"/>
               </p:custDataLst>
             </p:nvPr>
           </p:nvSpPr>
@@ -27324,14 +27354,14 @@
             <p:cNvPr id="36" name="OTLSHAPE_M_a58f29487c0343c08abcf41913e40cae_Shape">
               <a:extLst>
                 <a:ext uri="{FF2B5EF4-FFF2-40B4-BE49-F238E27FC236}">
-                  <a16:creationId xmlns:a16="http://schemas.microsoft.com/office/drawing/2014/main" xmlns="" id="{C7351A6B-AA9F-0E2E-75C8-6819CD2FDA93}"/>
+                  <a16:creationId xmlns="" xmlns:a16="http://schemas.microsoft.com/office/drawing/2014/main" id="{C7351A6B-AA9F-0E2E-75C8-6819CD2FDA93}"/>
                 </a:ext>
               </a:extLst>
             </p:cNvPr>
             <p:cNvSpPr/>
             <p:nvPr>
               <p:custDataLst>
-                <p:tags r:id="rId30"/>
+                <p:tags r:id="rId33"/>
               </p:custDataLst>
             </p:nvPr>
           </p:nvSpPr>
@@ -27424,14 +27454,14 @@
             <p:cNvPr id="37" name="OTLSHAPE_TB_00000000000000000000000000000000_Separator1">
               <a:extLst>
                 <a:ext uri="{FF2B5EF4-FFF2-40B4-BE49-F238E27FC236}">
-                  <a16:creationId xmlns:a16="http://schemas.microsoft.com/office/drawing/2014/main" xmlns="" id="{E85B918B-2CD4-76D0-5634-7A2B26512F4A}"/>
+                  <a16:creationId xmlns="" xmlns:a16="http://schemas.microsoft.com/office/drawing/2014/main" id="{E85B918B-2CD4-76D0-5634-7A2B26512F4A}"/>
                 </a:ext>
               </a:extLst>
             </p:cNvPr>
             <p:cNvCxnSpPr/>
             <p:nvPr>
               <p:custDataLst>
-                <p:tags r:id="rId31"/>
+                <p:tags r:id="rId34"/>
               </p:custDataLst>
             </p:nvPr>
           </p:nvCxnSpPr>
@@ -27475,14 +27505,14 @@
             <p:cNvPr id="38" name="OTLSHAPE_T_06a6a20021ea4acdac20b41f7b37b0dd_Title">
               <a:extLst>
                 <a:ext uri="{FF2B5EF4-FFF2-40B4-BE49-F238E27FC236}">
-                  <a16:creationId xmlns:a16="http://schemas.microsoft.com/office/drawing/2014/main" xmlns="" id="{22E13942-66E4-0FDD-03FF-0DAA2ACBE4C4}"/>
+                  <a16:creationId xmlns="" xmlns:a16="http://schemas.microsoft.com/office/drawing/2014/main" id="{22E13942-66E4-0FDD-03FF-0DAA2ACBE4C4}"/>
                 </a:ext>
               </a:extLst>
             </p:cNvPr>
             <p:cNvSpPr txBox="1"/>
             <p:nvPr>
               <p:custDataLst>
-                <p:tags r:id="rId32"/>
+                <p:tags r:id="rId35"/>
               </p:custDataLst>
             </p:nvPr>
           </p:nvSpPr>
@@ -27718,14 +27748,14 @@
             <p:cNvPr id="40" name="OTLSHAPE_TB_00000000000000000000000000000000_Separator1">
               <a:extLst>
                 <a:ext uri="{FF2B5EF4-FFF2-40B4-BE49-F238E27FC236}">
-                  <a16:creationId xmlns:a16="http://schemas.microsoft.com/office/drawing/2014/main" xmlns="" id="{FBFB92CF-0B41-52DD-8C83-503C5A525853}"/>
+                  <a16:creationId xmlns="" xmlns:a16="http://schemas.microsoft.com/office/drawing/2014/main" id="{FBFB92CF-0B41-52DD-8C83-503C5A525853}"/>
                 </a:ext>
               </a:extLst>
             </p:cNvPr>
             <p:cNvCxnSpPr/>
             <p:nvPr>
               <p:custDataLst>
-                <p:tags r:id="rId33"/>
+                <p:tags r:id="rId36"/>
               </p:custDataLst>
             </p:nvPr>
           </p:nvCxnSpPr>
@@ -27769,14 +27799,14 @@
             <p:cNvPr id="41" name="OTLSHAPE_M_52743de8bb6d4044896f473898fe9da7_Title">
               <a:extLst>
                 <a:ext uri="{FF2B5EF4-FFF2-40B4-BE49-F238E27FC236}">
-                  <a16:creationId xmlns:a16="http://schemas.microsoft.com/office/drawing/2014/main" xmlns="" id="{6EDBC9CB-8A67-6D67-EAF7-A67284EA5A7E}"/>
+                  <a16:creationId xmlns="" xmlns:a16="http://schemas.microsoft.com/office/drawing/2014/main" id="{6EDBC9CB-8A67-6D67-EAF7-A67284EA5A7E}"/>
                 </a:ext>
               </a:extLst>
             </p:cNvPr>
             <p:cNvSpPr txBox="1"/>
             <p:nvPr>
               <p:custDataLst>
-                <p:tags r:id="rId34"/>
+                <p:tags r:id="rId37"/>
               </p:custDataLst>
             </p:nvPr>
           </p:nvSpPr>
@@ -27814,13 +27844,31 @@
                 <a:defRPr/>
               </a:pPr>
               <a:r>
+                <a:rPr lang="en-US" sz="1200" b="1" spc="-8" dirty="0" smtClean="0">
+                  <a:solidFill>
+                    <a:srgbClr val="737373"/>
+                  </a:solidFill>
+                  <a:latin typeface="Calibri" panose="020F0502020204030204" pitchFamily="34" charset="0"/>
+                </a:rPr>
+                <a:t>Finish m</a:t>
+              </a:r>
+              <a:r>
+                <a:rPr lang="en-US" sz="1200" b="1" spc="-8" dirty="0" smtClean="0">
+                  <a:solidFill>
+                    <a:srgbClr val="737373"/>
+                  </a:solidFill>
+                  <a:latin typeface="Calibri" panose="020F0502020204030204" pitchFamily="34" charset="0"/>
+                </a:rPr>
+                <a:t>odel </a:t>
+              </a:r>
+              <a:r>
                 <a:rPr lang="en-US" sz="1200" b="1" spc="-8" dirty="0">
                   <a:solidFill>
                     <a:srgbClr val="737373"/>
                   </a:solidFill>
                   <a:latin typeface="Calibri" panose="020F0502020204030204" pitchFamily="34" charset="0"/>
                 </a:rPr>
-                <a:t>Model evaluation</a:t>
+                <a:t>evaluation</a:t>
               </a:r>
               <a:endParaRPr kumimoji="0" lang="en-US" sz="1200" b="1" i="0" u="none" strike="noStrike" kern="1200" cap="none" spc="-8" normalizeH="0" baseline="0" noProof="0" dirty="0">
                 <a:ln>
@@ -27844,14 +27892,14 @@
             <p:cNvPr id="42" name="OTLSHAPE_M_52743de8bb6d4044896f473898fe9da7_Shape">
               <a:extLst>
                 <a:ext uri="{FF2B5EF4-FFF2-40B4-BE49-F238E27FC236}">
-                  <a16:creationId xmlns:a16="http://schemas.microsoft.com/office/drawing/2014/main" xmlns="" id="{63BB7FDF-7892-CAAB-F137-55F8BA0CE27C}"/>
+                  <a16:creationId xmlns="" xmlns:a16="http://schemas.microsoft.com/office/drawing/2014/main" id="{63BB7FDF-7892-CAAB-F137-55F8BA0CE27C}"/>
                 </a:ext>
               </a:extLst>
             </p:cNvPr>
             <p:cNvSpPr/>
             <p:nvPr>
               <p:custDataLst>
-                <p:tags r:id="rId35"/>
+                <p:tags r:id="rId38"/>
               </p:custDataLst>
             </p:nvPr>
           </p:nvSpPr>
@@ -27944,14 +27992,14 @@
             <p:cNvPr id="43" name="OTLSHAPE_M_52743de8bb6d4044896f473898fe9da7_Title">
               <a:extLst>
                 <a:ext uri="{FF2B5EF4-FFF2-40B4-BE49-F238E27FC236}">
-                  <a16:creationId xmlns:a16="http://schemas.microsoft.com/office/drawing/2014/main" xmlns="" id="{D8F4B962-4B80-CC93-4542-E6738ACD74BD}"/>
+                  <a16:creationId xmlns="" xmlns:a16="http://schemas.microsoft.com/office/drawing/2014/main" id="{D8F4B962-4B80-CC93-4542-E6738ACD74BD}"/>
                 </a:ext>
               </a:extLst>
             </p:cNvPr>
             <p:cNvSpPr txBox="1"/>
             <p:nvPr>
               <p:custDataLst>
-                <p:tags r:id="rId36"/>
+                <p:tags r:id="rId39"/>
               </p:custDataLst>
             </p:nvPr>
           </p:nvSpPr>
@@ -28047,14 +28095,14 @@
             <p:cNvPr id="44" name="OTLSHAPE_M_52743de8bb6d4044896f473898fe9da7_Shape">
               <a:extLst>
                 <a:ext uri="{FF2B5EF4-FFF2-40B4-BE49-F238E27FC236}">
-                  <a16:creationId xmlns:a16="http://schemas.microsoft.com/office/drawing/2014/main" xmlns="" id="{2D297B44-C48D-5CBF-1846-948A6527B298}"/>
+                  <a16:creationId xmlns="" xmlns:a16="http://schemas.microsoft.com/office/drawing/2014/main" id="{2D297B44-C48D-5CBF-1846-948A6527B298}"/>
                 </a:ext>
               </a:extLst>
             </p:cNvPr>
             <p:cNvSpPr/>
             <p:nvPr>
               <p:custDataLst>
-                <p:tags r:id="rId37"/>
+                <p:tags r:id="rId40"/>
               </p:custDataLst>
             </p:nvPr>
           </p:nvSpPr>
@@ -28147,14 +28195,14 @@
             <p:cNvPr id="45" name="OTLSHAPE_M_52743de8bb6d4044896f473898fe9da7_Title">
               <a:extLst>
                 <a:ext uri="{FF2B5EF4-FFF2-40B4-BE49-F238E27FC236}">
-                  <a16:creationId xmlns:a16="http://schemas.microsoft.com/office/drawing/2014/main" xmlns="" id="{BB176F41-3ABF-47EA-EC13-12E3D8FDF8FD}"/>
+                  <a16:creationId xmlns="" xmlns:a16="http://schemas.microsoft.com/office/drawing/2014/main" id="{BB176F41-3ABF-47EA-EC13-12E3D8FDF8FD}"/>
                 </a:ext>
               </a:extLst>
             </p:cNvPr>
             <p:cNvSpPr txBox="1"/>
             <p:nvPr>
               <p:custDataLst>
-                <p:tags r:id="rId38"/>
+                <p:tags r:id="rId41"/>
               </p:custDataLst>
             </p:nvPr>
           </p:nvSpPr>
@@ -28222,14 +28270,14 @@
             <p:cNvPr id="46" name="OTLSHAPE_M_52743de8bb6d4044896f473898fe9da7_Shape">
               <a:extLst>
                 <a:ext uri="{FF2B5EF4-FFF2-40B4-BE49-F238E27FC236}">
-                  <a16:creationId xmlns:a16="http://schemas.microsoft.com/office/drawing/2014/main" xmlns="" id="{1E208711-AF18-D77E-A997-5018EBB67265}"/>
+                  <a16:creationId xmlns="" xmlns:a16="http://schemas.microsoft.com/office/drawing/2014/main" id="{1E208711-AF18-D77E-A997-5018EBB67265}"/>
                 </a:ext>
               </a:extLst>
             </p:cNvPr>
             <p:cNvSpPr/>
             <p:nvPr>
               <p:custDataLst>
-                <p:tags r:id="rId39"/>
+                <p:tags r:id="rId42"/>
               </p:custDataLst>
             </p:nvPr>
           </p:nvSpPr>
@@ -28322,14 +28370,14 @@
             <p:cNvPr id="47" name="OTLSHAPE_T_06a6a20021ea4acdac20b41f7b37b0dd_Title">
               <a:extLst>
                 <a:ext uri="{FF2B5EF4-FFF2-40B4-BE49-F238E27FC236}">
-                  <a16:creationId xmlns:a16="http://schemas.microsoft.com/office/drawing/2014/main" xmlns="" id="{2B9BE193-ABCA-58C6-FDED-88517DC0BCF1}"/>
+                  <a16:creationId xmlns="" xmlns:a16="http://schemas.microsoft.com/office/drawing/2014/main" id="{2B9BE193-ABCA-58C6-FDED-88517DC0BCF1}"/>
                 </a:ext>
               </a:extLst>
             </p:cNvPr>
             <p:cNvSpPr txBox="1"/>
             <p:nvPr>
               <p:custDataLst>
-                <p:tags r:id="rId40"/>
+                <p:tags r:id="rId43"/>
               </p:custDataLst>
             </p:nvPr>
           </p:nvSpPr>
@@ -28487,12 +28535,6 @@
                 </a:rPr>
                 <a:t> </a:t>
               </a:r>
-              <a:endParaRPr lang="en-US" sz="1000" b="1" spc="-4" dirty="0">
-                <a:solidFill>
-                  <a:srgbClr val="737373"/>
-                </a:solidFill>
-                <a:latin typeface="Segoe UI" panose="020B0502040204020203" pitchFamily="34" charset="0"/>
-              </a:endParaRPr>
             </a:p>
             <a:p>
               <a:pPr marL="228600" marR="0" lvl="0" indent="-228600" defTabSz="914400" rtl="0" eaLnBrk="1" fontAlgn="auto" latinLnBrk="0" hangingPunct="1">
@@ -28657,14 +28699,14 @@
             <p:cNvPr id="48" name="OTLSHAPE_TB_00000000000000000000000000000000_Separator1">
               <a:extLst>
                 <a:ext uri="{FF2B5EF4-FFF2-40B4-BE49-F238E27FC236}">
-                  <a16:creationId xmlns:a16="http://schemas.microsoft.com/office/drawing/2014/main" xmlns="" id="{68ACF7FD-C9B9-E68C-F526-E46E4BB97607}"/>
+                  <a16:creationId xmlns="" xmlns:a16="http://schemas.microsoft.com/office/drawing/2014/main" id="{68ACF7FD-C9B9-E68C-F526-E46E4BB97607}"/>
                 </a:ext>
               </a:extLst>
             </p:cNvPr>
             <p:cNvCxnSpPr/>
             <p:nvPr>
               <p:custDataLst>
-                <p:tags r:id="rId41"/>
+                <p:tags r:id="rId44"/>
               </p:custDataLst>
             </p:nvPr>
           </p:nvCxnSpPr>
@@ -28708,14 +28750,14 @@
             <p:cNvPr id="49" name="OTLSHAPE_T_06a6a20021ea4acdac20b41f7b37b0dd_Title">
               <a:extLst>
                 <a:ext uri="{FF2B5EF4-FFF2-40B4-BE49-F238E27FC236}">
-                  <a16:creationId xmlns:a16="http://schemas.microsoft.com/office/drawing/2014/main" xmlns="" id="{0C95DE19-FC6F-7B97-403F-0C689098254E}"/>
+                  <a16:creationId xmlns="" xmlns:a16="http://schemas.microsoft.com/office/drawing/2014/main" id="{0C95DE19-FC6F-7B97-403F-0C689098254E}"/>
                 </a:ext>
               </a:extLst>
             </p:cNvPr>
             <p:cNvSpPr txBox="1"/>
             <p:nvPr>
               <p:custDataLst>
-                <p:tags r:id="rId42"/>
+                <p:tags r:id="rId45"/>
               </p:custDataLst>
             </p:nvPr>
           </p:nvSpPr>
@@ -28900,14 +28942,14 @@
             <p:cNvPr id="50" name="OTLSHAPE_TB_00000000000000000000000000000000_Separator1">
               <a:extLst>
                 <a:ext uri="{FF2B5EF4-FFF2-40B4-BE49-F238E27FC236}">
-                  <a16:creationId xmlns:a16="http://schemas.microsoft.com/office/drawing/2014/main" xmlns="" id="{77E39608-F7D1-B71D-1B21-364EBED4F679}"/>
+                  <a16:creationId xmlns="" xmlns:a16="http://schemas.microsoft.com/office/drawing/2014/main" id="{77E39608-F7D1-B71D-1B21-364EBED4F679}"/>
                 </a:ext>
               </a:extLst>
             </p:cNvPr>
             <p:cNvCxnSpPr/>
             <p:nvPr>
               <p:custDataLst>
-                <p:tags r:id="rId43"/>
+                <p:tags r:id="rId46"/>
               </p:custDataLst>
             </p:nvPr>
           </p:nvCxnSpPr>
@@ -28951,14 +28993,14 @@
             <p:cNvPr id="52" name="OTLSHAPE_T_06a6a20021ea4acdac20b41f7b37b0dd_Title">
               <a:extLst>
                 <a:ext uri="{FF2B5EF4-FFF2-40B4-BE49-F238E27FC236}">
-                  <a16:creationId xmlns:a16="http://schemas.microsoft.com/office/drawing/2014/main" xmlns="" id="{C3FECAC6-3384-9173-0901-AA982E3B2E80}"/>
+                  <a16:creationId xmlns="" xmlns:a16="http://schemas.microsoft.com/office/drawing/2014/main" id="{C3FECAC6-3384-9173-0901-AA982E3B2E80}"/>
                 </a:ext>
               </a:extLst>
             </p:cNvPr>
             <p:cNvSpPr txBox="1"/>
             <p:nvPr>
               <p:custDataLst>
-                <p:tags r:id="rId44"/>
+                <p:tags r:id="rId47"/>
               </p:custDataLst>
             </p:nvPr>
           </p:nvSpPr>
@@ -29179,14 +29221,14 @@
             <p:cNvPr id="53" name="OTLSHAPE_TB_00000000000000000000000000000000_Separator1">
               <a:extLst>
                 <a:ext uri="{FF2B5EF4-FFF2-40B4-BE49-F238E27FC236}">
-                  <a16:creationId xmlns:a16="http://schemas.microsoft.com/office/drawing/2014/main" xmlns="" id="{0BED2197-8CC1-7675-06E9-17898F423EE8}"/>
+                  <a16:creationId xmlns="" xmlns:a16="http://schemas.microsoft.com/office/drawing/2014/main" id="{0BED2197-8CC1-7675-06E9-17898F423EE8}"/>
                 </a:ext>
               </a:extLst>
             </p:cNvPr>
             <p:cNvCxnSpPr/>
             <p:nvPr>
               <p:custDataLst>
-                <p:tags r:id="rId45"/>
+                <p:tags r:id="rId48"/>
               </p:custDataLst>
             </p:nvPr>
           </p:nvCxnSpPr>
@@ -29230,14 +29272,14 @@
             <p:cNvPr id="54" name="OTLSHAPE_T_06a6a20021ea4acdac20b41f7b37b0dd_Title">
               <a:extLst>
                 <a:ext uri="{FF2B5EF4-FFF2-40B4-BE49-F238E27FC236}">
-                  <a16:creationId xmlns:a16="http://schemas.microsoft.com/office/drawing/2014/main" xmlns="" id="{5E810906-B14F-37FE-F7E8-8D2A8C349502}"/>
+                  <a16:creationId xmlns="" xmlns:a16="http://schemas.microsoft.com/office/drawing/2014/main" id="{5E810906-B14F-37FE-F7E8-8D2A8C349502}"/>
                 </a:ext>
               </a:extLst>
             </p:cNvPr>
             <p:cNvSpPr txBox="1"/>
             <p:nvPr>
               <p:custDataLst>
-                <p:tags r:id="rId46"/>
+                <p:tags r:id="rId49"/>
               </p:custDataLst>
             </p:nvPr>
           </p:nvSpPr>
@@ -29371,14 +29413,14 @@
             <p:cNvPr id="55" name="OTLSHAPE_TB_00000000000000000000000000000000_Separator1">
               <a:extLst>
                 <a:ext uri="{FF2B5EF4-FFF2-40B4-BE49-F238E27FC236}">
-                  <a16:creationId xmlns:a16="http://schemas.microsoft.com/office/drawing/2014/main" xmlns="" id="{D0412958-8D6B-97F0-C3FA-9C184116DD3E}"/>
+                  <a16:creationId xmlns="" xmlns:a16="http://schemas.microsoft.com/office/drawing/2014/main" id="{D0412958-8D6B-97F0-C3FA-9C184116DD3E}"/>
                 </a:ext>
               </a:extLst>
             </p:cNvPr>
             <p:cNvCxnSpPr/>
             <p:nvPr>
               <p:custDataLst>
-                <p:tags r:id="rId47"/>
+                <p:tags r:id="rId50"/>
               </p:custDataLst>
             </p:nvPr>
           </p:nvCxnSpPr>
@@ -29422,14 +29464,14 @@
             <p:cNvPr id="56" name="OTLSHAPE_M_a54bc827b05146d18b559f618723e2b4_Date">
               <a:extLst>
                 <a:ext uri="{FF2B5EF4-FFF2-40B4-BE49-F238E27FC236}">
-                  <a16:creationId xmlns:a16="http://schemas.microsoft.com/office/drawing/2014/main" xmlns="" id="{173E2F0A-694F-170F-9559-6014185F5953}"/>
+                  <a16:creationId xmlns="" xmlns:a16="http://schemas.microsoft.com/office/drawing/2014/main" id="{173E2F0A-694F-170F-9559-6014185F5953}"/>
                 </a:ext>
               </a:extLst>
             </p:cNvPr>
             <p:cNvSpPr txBox="1"/>
             <p:nvPr>
               <p:custDataLst>
-                <p:tags r:id="rId48"/>
+                <p:tags r:id="rId51"/>
               </p:custDataLst>
             </p:nvPr>
           </p:nvSpPr>
@@ -29491,14 +29533,14 @@
             <p:cNvPr id="57" name="OTLSHAPE_M_a54bc827b05146d18b559f618723e2b4_Date">
               <a:extLst>
                 <a:ext uri="{FF2B5EF4-FFF2-40B4-BE49-F238E27FC236}">
-                  <a16:creationId xmlns:a16="http://schemas.microsoft.com/office/drawing/2014/main" xmlns="" id="{5FDDD057-D2B6-A702-6468-1A1157C8791D}"/>
+                  <a16:creationId xmlns="" xmlns:a16="http://schemas.microsoft.com/office/drawing/2014/main" id="{5FDDD057-D2B6-A702-6468-1A1157C8791D}"/>
                 </a:ext>
               </a:extLst>
             </p:cNvPr>
             <p:cNvSpPr txBox="1"/>
             <p:nvPr>
               <p:custDataLst>
-                <p:tags r:id="rId49"/>
+                <p:tags r:id="rId52"/>
               </p:custDataLst>
             </p:nvPr>
           </p:nvSpPr>
@@ -29560,14 +29602,14 @@
             <p:cNvPr id="58" name="OTLSHAPE_M_a54bc827b05146d18b559f618723e2b4_Date">
               <a:extLst>
                 <a:ext uri="{FF2B5EF4-FFF2-40B4-BE49-F238E27FC236}">
-                  <a16:creationId xmlns:a16="http://schemas.microsoft.com/office/drawing/2014/main" xmlns="" id="{16D4C781-897C-0196-BC05-88512DFEEF77}"/>
+                  <a16:creationId xmlns="" xmlns:a16="http://schemas.microsoft.com/office/drawing/2014/main" id="{16D4C781-897C-0196-BC05-88512DFEEF77}"/>
                 </a:ext>
               </a:extLst>
             </p:cNvPr>
             <p:cNvSpPr txBox="1"/>
             <p:nvPr>
               <p:custDataLst>
-                <p:tags r:id="rId50"/>
+                <p:tags r:id="rId53"/>
               </p:custDataLst>
             </p:nvPr>
           </p:nvSpPr>
@@ -29625,6 +29667,267 @@
           </p:txBody>
         </p:sp>
       </p:grpSp>
+      <p:sp>
+        <p:nvSpPr>
+          <p:cNvPr id="59" name="OTLSHAPE_M_52743de8bb6d4044896f473898fe9da7_Shape">
+            <a:extLst>
+              <a:ext uri="{FF2B5EF4-FFF2-40B4-BE49-F238E27FC236}">
+                <a16:creationId xmlns="" xmlns:a16="http://schemas.microsoft.com/office/drawing/2014/main" id="{1E208711-AF18-D77E-A997-5018EBB67265}"/>
+              </a:ext>
+            </a:extLst>
+          </p:cNvPr>
+          <p:cNvSpPr/>
+          <p:nvPr>
+            <p:custDataLst>
+              <p:tags r:id="rId1"/>
+            </p:custDataLst>
+          </p:nvPr>
+        </p:nvSpPr>
+        <p:spPr>
+          <a:xfrm>
+            <a:off x="9749151" y="2445639"/>
+            <a:ext cx="298526" cy="410511"/>
+          </a:xfrm>
+          <a:prstGeom prst="diamond">
+            <a:avLst/>
+          </a:prstGeom>
+          <a:solidFill>
+            <a:schemeClr val="accent2"/>
+          </a:solidFill>
+          <a:ln w="12700" cap="flat" cmpd="sng" algn="ctr">
+            <a:noFill/>
+            <a:prstDash val="solid"/>
+            <a:miter lim="800000"/>
+          </a:ln>
+          <a:effectLst/>
+          <a:scene3d>
+            <a:camera prst="orthographicFront"/>
+            <a:lightRig rig="threePt" dir="t"/>
+          </a:scene3d>
+          <a:sp3d>
+            <a:bevelT h="12700"/>
+          </a:sp3d>
+          <a:extLst>
+            <a:ext uri="{53640926-AAD7-44D8-BBD7-CCE9431645EC}">
+              <a14:shadowObscured xmlns:a14="http://schemas.microsoft.com/office/drawing/2010/main" val="1"/>
+            </a:ext>
+          </a:extLst>
+        </p:spPr>
+        <p:style>
+          <a:lnRef idx="2">
+            <a:schemeClr val="accent1">
+              <a:shade val="50000"/>
+            </a:schemeClr>
+          </a:lnRef>
+          <a:fillRef idx="1">
+            <a:schemeClr val="accent1"/>
+          </a:fillRef>
+          <a:effectRef idx="0">
+            <a:schemeClr val="accent1"/>
+          </a:effectRef>
+          <a:fontRef idx="minor">
+            <a:schemeClr val="lt1"/>
+          </a:fontRef>
+        </p:style>
+        <p:txBody>
+          <a:bodyPr rtlCol="0" anchor="ctr"/>
+          <a:lstStyle/>
+          <a:p>
+            <a:pPr marL="0" marR="0" lvl="0" indent="0" algn="ctr" defTabSz="914400" rtl="0" eaLnBrk="1" fontAlgn="auto" latinLnBrk="0" hangingPunct="1">
+              <a:lnSpc>
+                <a:spcPct val="100000"/>
+              </a:lnSpc>
+              <a:spcBef>
+                <a:spcPts val="0"/>
+              </a:spcBef>
+              <a:spcAft>
+                <a:spcPts val="0"/>
+              </a:spcAft>
+              <a:buClrTx/>
+              <a:buSzTx/>
+              <a:buFontTx/>
+              <a:buNone/>
+              <a:tabLst/>
+              <a:defRPr/>
+            </a:pPr>
+            <a:endParaRPr kumimoji="0" lang="en-US" sz="1800" b="0" i="0" u="none" strike="noStrike" kern="1200" cap="none" spc="0" normalizeH="0" baseline="0" noProof="0">
+              <a:ln>
+                <a:noFill/>
+              </a:ln>
+              <a:solidFill>
+                <a:prstClr val="white"/>
+              </a:solidFill>
+              <a:effectLst/>
+              <a:uLnTx/>
+              <a:uFillTx/>
+              <a:latin typeface="Calibri" panose="020F0502020204030204"/>
+              <a:ea typeface="+mn-ea"/>
+              <a:cs typeface="+mn-cs"/>
+            </a:endParaRPr>
+          </a:p>
+        </p:txBody>
+      </p:sp>
+      <p:sp>
+        <p:nvSpPr>
+          <p:cNvPr id="61" name="OTLSHAPE_M_52743de8bb6d4044896f473898fe9da7_Title">
+            <a:extLst>
+              <a:ext uri="{FF2B5EF4-FFF2-40B4-BE49-F238E27FC236}">
+                <a16:creationId xmlns="" xmlns:a16="http://schemas.microsoft.com/office/drawing/2014/main" id="{BB176F41-3ABF-47EA-EC13-12E3D8FDF8FD}"/>
+              </a:ext>
+            </a:extLst>
+          </p:cNvPr>
+          <p:cNvSpPr txBox="1"/>
+          <p:nvPr>
+            <p:custDataLst>
+              <p:tags r:id="rId2"/>
+            </p:custDataLst>
+          </p:nvPr>
+        </p:nvSpPr>
+        <p:spPr>
+          <a:xfrm>
+            <a:off x="9279730" y="1856490"/>
+            <a:ext cx="1332620" cy="501125"/>
+          </a:xfrm>
+          <a:prstGeom prst="rect">
+            <a:avLst/>
+          </a:prstGeom>
+          <a:noFill/>
+        </p:spPr>
+        <p:txBody>
+          <a:bodyPr vert="horz" wrap="square" lIns="0" tIns="0" rIns="0" bIns="0" rtlCol="0" anchor="ctr" anchorCtr="0">
+            <a:noAutofit/>
+          </a:bodyPr>
+          <a:lstStyle/>
+          <a:p>
+            <a:pPr marL="0" marR="0" lvl="0" indent="0" algn="ctr" defTabSz="914400" rtl="0" eaLnBrk="1" fontAlgn="auto" latinLnBrk="0" hangingPunct="1">
+              <a:lnSpc>
+                <a:spcPct val="100000"/>
+              </a:lnSpc>
+              <a:spcBef>
+                <a:spcPts val="0"/>
+              </a:spcBef>
+              <a:spcAft>
+                <a:spcPts val="0"/>
+              </a:spcAft>
+              <a:buClrTx/>
+              <a:buSzTx/>
+              <a:buFontTx/>
+              <a:buNone/>
+              <a:tabLst/>
+              <a:defRPr/>
+            </a:pPr>
+            <a:r>
+              <a:rPr lang="en-US" sz="1200" b="1" spc="-8" noProof="0" dirty="0" smtClean="0">
+                <a:solidFill>
+                  <a:srgbClr val="737373"/>
+                </a:solidFill>
+                <a:latin typeface="Calibri" panose="020F0502020204030204" pitchFamily="34" charset="0"/>
+              </a:rPr>
+              <a:t>Code is reusable and results explainable</a:t>
+            </a:r>
+            <a:endParaRPr kumimoji="0" lang="en-US" sz="1200" b="1" i="0" u="none" strike="noStrike" kern="1200" cap="none" spc="-8" normalizeH="0" baseline="0" noProof="0" dirty="0">
+              <a:ln>
+                <a:noFill/>
+              </a:ln>
+              <a:solidFill>
+                <a:srgbClr val="737373"/>
+              </a:solidFill>
+              <a:effectLst/>
+              <a:uLnTx/>
+              <a:uFillTx/>
+              <a:latin typeface="Calibri" panose="020F0502020204030204" pitchFamily="34" charset="0"/>
+              <a:ea typeface="+mn-ea"/>
+              <a:cs typeface="+mn-cs"/>
+            </a:endParaRPr>
+          </a:p>
+        </p:txBody>
+      </p:sp>
+      <p:sp>
+        <p:nvSpPr>
+          <p:cNvPr id="62" name="OTLSHAPE_M_a54bc827b05146d18b559f618723e2b4_Date">
+            <a:extLst>
+              <a:ext uri="{FF2B5EF4-FFF2-40B4-BE49-F238E27FC236}">
+                <a16:creationId xmlns="" xmlns:a16="http://schemas.microsoft.com/office/drawing/2014/main" id="{16D4C781-897C-0196-BC05-88512DFEEF77}"/>
+              </a:ext>
+            </a:extLst>
+          </p:cNvPr>
+          <p:cNvSpPr txBox="1"/>
+          <p:nvPr>
+            <p:custDataLst>
+              <p:tags r:id="rId3"/>
+            </p:custDataLst>
+          </p:nvPr>
+        </p:nvSpPr>
+        <p:spPr>
+          <a:xfrm>
+            <a:off x="10047677" y="2441929"/>
+            <a:ext cx="304800" cy="155025"/>
+          </a:xfrm>
+          <a:prstGeom prst="rect">
+            <a:avLst/>
+          </a:prstGeom>
+          <a:noFill/>
+        </p:spPr>
+        <p:txBody>
+          <a:bodyPr vert="horz" wrap="square" lIns="0" tIns="0" rIns="0" bIns="0" rtlCol="0" anchor="ctr" anchorCtr="0">
+            <a:noAutofit/>
+          </a:bodyPr>
+          <a:lstStyle/>
+          <a:p>
+            <a:pPr marL="0" marR="0" lvl="0" indent="0" algn="ctr" defTabSz="914400" rtl="0" eaLnBrk="1" fontAlgn="auto" latinLnBrk="0" hangingPunct="1">
+              <a:lnSpc>
+                <a:spcPct val="100000"/>
+              </a:lnSpc>
+              <a:spcBef>
+                <a:spcPts val="0"/>
+              </a:spcBef>
+              <a:spcAft>
+                <a:spcPts val="0"/>
+              </a:spcAft>
+              <a:buClrTx/>
+              <a:buSzTx/>
+              <a:buFontTx/>
+              <a:buNone/>
+              <a:tabLst/>
+              <a:defRPr/>
+            </a:pPr>
+            <a:r>
+              <a:rPr kumimoji="0" lang="en-US" sz="1000" b="0" i="0" u="none" strike="noStrike" kern="1200" cap="none" spc="-6" normalizeH="0" baseline="0" noProof="0" dirty="0" smtClean="0">
+                <a:ln>
+                  <a:noFill/>
+                </a:ln>
+                <a:solidFill>
+                  <a:srgbClr val="A6A6A6"/>
+                </a:solidFill>
+                <a:effectLst/>
+                <a:uLnTx/>
+                <a:uFillTx/>
+                <a:latin typeface="Calibri" panose="020F0502020204030204" pitchFamily="34" charset="0"/>
+                <a:ea typeface="+mn-ea"/>
+                <a:cs typeface="+mn-cs"/>
+              </a:rPr>
+              <a:t>Nov </a:t>
+            </a:r>
+            <a:r>
+              <a:rPr kumimoji="0" lang="en-US" sz="1000" b="0" i="0" u="none" strike="noStrike" kern="1200" cap="none" spc="-6" normalizeH="0" baseline="0" noProof="0" dirty="0">
+                <a:ln>
+                  <a:noFill/>
+                </a:ln>
+                <a:solidFill>
+                  <a:srgbClr val="A6A6A6"/>
+                </a:solidFill>
+                <a:effectLst/>
+                <a:uLnTx/>
+                <a:uFillTx/>
+                <a:latin typeface="Calibri" panose="020F0502020204030204" pitchFamily="34" charset="0"/>
+                <a:ea typeface="+mn-ea"/>
+                <a:cs typeface="+mn-cs"/>
+              </a:rPr>
+              <a:t>1</a:t>
+            </a:r>
+          </a:p>
+        </p:txBody>
+      </p:sp>
     </p:spTree>
     <p:extLst>
       <p:ext uri="{BB962C8B-B14F-4D97-AF65-F5344CB8AC3E}">
@@ -29648,6 +29951,20 @@
 <file path=ppt/tags/tag1.xml><?xml version="1.0" encoding="utf-8"?>
 <p:tagLst xmlns:a="http://schemas.openxmlformats.org/drawingml/2006/main" xmlns:r="http://schemas.openxmlformats.org/officeDocument/2006/relationships" xmlns:p="http://schemas.openxmlformats.org/presentationml/2006/main">
   <p:tag name="OTLMARKERSHAPE" val="OTL"/>
+  <p:tag name="OTLDATEFORMATSTRING" val="MMM d"/>
+  <p:tag name="OTLDATEFORMATSEPARATOR" val="/"/>
+  <p:tag name="OTLDATEFORMATUSEUS" val="True"/>
+  <p:tag name="OTLDATEFORMATDATEISVISIBLE" val="True"/>
+  <p:tag name="OTLDATEFORMATTIMEISVISIBLE" val="False"/>
+  <p:tag name="OTLDATEFORMATAMPMDESIGNATOR" val="AmPmLowerCase"/>
+  <p:tag name="OTLDATEFORMATHOURDIGITS" val="H"/>
+  <p:tag name="OTLDATEFORMATTRIM00MINUTES" val="False"/>
+  <p:tag name="OTLMTITLE" val="Milestone #1"/>
+  <p:tag name="OTLDATE" val="2018-06-07T23:59:00.0000000Z"/>
+  <p:tag name="OTLPOSITIONONTASK" val="None"/>
+  <p:tag name="OTLRELATEDTASKID" val="00000000-0000-0000-0000-000000000000"/>
+  <p:tag name="OTLWEEKNUMBERINGFORMAT" val="WNFormat1"/>
+  <p:tag name="OTLWEEKNUMBERINGISVISIBLE" val="False"/>
 </p:tagLst>
 </file>
 
@@ -29696,6 +30013,30 @@
 <file path=ppt/tags/tag17.xml><?xml version="1.0" encoding="utf-8"?>
 <p:tagLst xmlns:a="http://schemas.openxmlformats.org/drawingml/2006/main" xmlns:r="http://schemas.openxmlformats.org/officeDocument/2006/relationships" xmlns:p="http://schemas.openxmlformats.org/presentationml/2006/main">
   <p:tag name="OTLMARKERSHAPE" val="OTL"/>
+</p:tagLst>
+</file>
+
+<file path=ppt/tags/tag18.xml><?xml version="1.0" encoding="utf-8"?>
+<p:tagLst xmlns:a="http://schemas.openxmlformats.org/drawingml/2006/main" xmlns:r="http://schemas.openxmlformats.org/officeDocument/2006/relationships" xmlns:p="http://schemas.openxmlformats.org/presentationml/2006/main">
+  <p:tag name="OTLMARKERSHAPE" val="OTL"/>
+</p:tagLst>
+</file>
+
+<file path=ppt/tags/tag19.xml><?xml version="1.0" encoding="utf-8"?>
+<p:tagLst xmlns:a="http://schemas.openxmlformats.org/drawingml/2006/main" xmlns:r="http://schemas.openxmlformats.org/officeDocument/2006/relationships" xmlns:p="http://schemas.openxmlformats.org/presentationml/2006/main">
+  <p:tag name="OTLMARKERSHAPE" val="OTL"/>
+</p:tagLst>
+</file>
+
+<file path=ppt/tags/tag2.xml><?xml version="1.0" encoding="utf-8"?>
+<p:tagLst xmlns:a="http://schemas.openxmlformats.org/drawingml/2006/main" xmlns:r="http://schemas.openxmlformats.org/officeDocument/2006/relationships" xmlns:p="http://schemas.openxmlformats.org/presentationml/2006/main">
+  <p:tag name="OTLMARKERSHAPE" val="OTL"/>
+</p:tagLst>
+</file>
+
+<file path=ppt/tags/tag20.xml><?xml version="1.0" encoding="utf-8"?>
+<p:tagLst xmlns:a="http://schemas.openxmlformats.org/drawingml/2006/main" xmlns:r="http://schemas.openxmlformats.org/officeDocument/2006/relationships" xmlns:p="http://schemas.openxmlformats.org/presentationml/2006/main">
+  <p:tag name="OTLMARKERSHAPE" val="OTL"/>
   <p:tag name="OTLDATEFORMATSTRING" val="MMM d"/>
   <p:tag name="OTLDATEFORMATSEPARATOR" val="/"/>
   <p:tag name="OTLDATEFORMATUSEUS" val="True"/>
@@ -29713,13 +30054,13 @@
 </p:tagLst>
 </file>
 
-<file path=ppt/tags/tag18.xml><?xml version="1.0" encoding="utf-8"?>
+<file path=ppt/tags/tag21.xml><?xml version="1.0" encoding="utf-8"?>
 <p:tagLst xmlns:a="http://schemas.openxmlformats.org/drawingml/2006/main" xmlns:r="http://schemas.openxmlformats.org/officeDocument/2006/relationships" xmlns:p="http://schemas.openxmlformats.org/presentationml/2006/main">
   <p:tag name="OTLMARKERSHAPE" val="OTL"/>
 </p:tagLst>
 </file>
 
-<file path=ppt/tags/tag19.xml><?xml version="1.0" encoding="utf-8"?>
+<file path=ppt/tags/tag22.xml><?xml version="1.0" encoding="utf-8"?>
 <p:tagLst xmlns:a="http://schemas.openxmlformats.org/drawingml/2006/main" xmlns:r="http://schemas.openxmlformats.org/officeDocument/2006/relationships" xmlns:p="http://schemas.openxmlformats.org/presentationml/2006/main">
   <p:tag name="OTLMARKERSHAPE" val="OTL"/>
   <p:tag name="OTLDATEFORMATSTRING" val="MMM d"/>
@@ -29739,43 +30080,13 @@
 </p:tagLst>
 </file>
 
-<file path=ppt/tags/tag2.xml><?xml version="1.0" encoding="utf-8"?>
-<p:tagLst xmlns:a="http://schemas.openxmlformats.org/drawingml/2006/main" xmlns:r="http://schemas.openxmlformats.org/officeDocument/2006/relationships" xmlns:p="http://schemas.openxmlformats.org/presentationml/2006/main">
-  <p:tag name="OTLMARKERSHAPE" val="OTL"/>
-  <p:tag name="OTLTIMEBANDCULTUREINFO" val="en-US"/>
-  <p:tag name="OTLTIMEBANDQUICKPOSITION" val="Custom"/>
-  <p:tag name="OTLTIMEBANDTHREEDEFFECTS" val="Gel"/>
-  <p:tag name="OTLTIMEBANDAUTODATERANGE" val="True"/>
-  <p:tag name="OTLTIMEBANDSTARTDATE" val="2015-05-10T23:59:59.9990000Z"/>
-  <p:tag name="OTLTIMEBANDENDDATE" val="2019-01-30T23:59:00.0000000"/>
-  <p:tag name="OTLTIMEBANDWORKINGDAYS" val="All"/>
-  <p:tag name="OTLTIMEBANDELAPSEDTIMEEXTENSION" val="False"/>
-  <p:tag name="OTLTIMEBANDUSETIME" val="False"/>
-  <p:tag name="OTLTIMEBANDTIMECONFIGWORKDAYSTART" val="00:00:00"/>
-  <p:tag name="OTLTIMEBANDTIMECONFIGWORKDAYEND" val="23:59:00"/>
-  <p:tag name="OTLTIMEBANDAPPENDYEARONYEARCHANGE" val="True"/>
-  <p:tag name="OTLTIMEBANDSCALEMARKING" val="None"/>
-  <p:tag name="OTLRIGHTENDCAPSMARGINRIGHT" val="25"/>
-  <p:tag name="OTLLEFTENDCAPSMARGINLEFT" val="25"/>
-  <p:tag name="OTLTIMEBANDFYSTARTMONTH" val="January"/>
-  <p:tag name="OTLTIMEBANDSHOWFYLABEL" val="True"/>
-  <p:tag name="OTLTIMEBANDUSESTARTINGOFTHEYEARFORFYNUMBERING" val="True"/>
-  <p:tag name="OTLTIMEBANDRESERVEDLEFTAREAWIDTH" val="0"/>
-  <p:tag name="OTLTIMEBANDRESERVEDLEFTAREAISSET" val="False"/>
-  <p:tag name="OTLTIMEBANDSCALEFORMAT" val="MMM"/>
-  <p:tag name="OTLTIMEBANDSCALETYPE" val="Months"/>
-  <p:tag name="OTLTIMEBANDSHAPETYPE" val="RectangleTimeband"/>
-  <p:tag name="OTLTIMEBANDSHAPEHEIGHT" val="30"/>
-</p:tagLst>
-</file>
-
-<file path=ppt/tags/tag20.xml><?xml version="1.0" encoding="utf-8"?>
+<file path=ppt/tags/tag23.xml><?xml version="1.0" encoding="utf-8"?>
 <p:tagLst xmlns:a="http://schemas.openxmlformats.org/drawingml/2006/main" xmlns:r="http://schemas.openxmlformats.org/officeDocument/2006/relationships" xmlns:p="http://schemas.openxmlformats.org/presentationml/2006/main">
   <p:tag name="OTLMARKERSHAPE" val="OTL"/>
 </p:tagLst>
 </file>
 
-<file path=ppt/tags/tag21.xml><?xml version="1.0" encoding="utf-8"?>
+<file path=ppt/tags/tag24.xml><?xml version="1.0" encoding="utf-8"?>
 <p:tagLst xmlns:a="http://schemas.openxmlformats.org/drawingml/2006/main" xmlns:r="http://schemas.openxmlformats.org/officeDocument/2006/relationships" xmlns:p="http://schemas.openxmlformats.org/presentationml/2006/main">
   <p:tag name="OTLMARKERSHAPE" val="OTL"/>
   <p:tag name="OTLDATEFORMATSTRING" val="MMM d"/>
@@ -29792,24 +30103,6 @@
   <p:tag name="OTLRELATEDTASKID" val="00000000-0000-0000-0000-000000000000"/>
   <p:tag name="OTLWEEKNUMBERINGFORMAT" val="WNFormat1"/>
   <p:tag name="OTLWEEKNUMBERINGISVISIBLE" val="False"/>
-</p:tagLst>
-</file>
-
-<file path=ppt/tags/tag22.xml><?xml version="1.0" encoding="utf-8"?>
-<p:tagLst xmlns:a="http://schemas.openxmlformats.org/drawingml/2006/main" xmlns:r="http://schemas.openxmlformats.org/officeDocument/2006/relationships" xmlns:p="http://schemas.openxmlformats.org/presentationml/2006/main">
-  <p:tag name="OTLMARKERSHAPE" val="OTL"/>
-</p:tagLst>
-</file>
-
-<file path=ppt/tags/tag23.xml><?xml version="1.0" encoding="utf-8"?>
-<p:tagLst xmlns:a="http://schemas.openxmlformats.org/drawingml/2006/main" xmlns:r="http://schemas.openxmlformats.org/officeDocument/2006/relationships" xmlns:p="http://schemas.openxmlformats.org/presentationml/2006/main">
-  <p:tag name="OTLMARKERSHAPE" val="OTL"/>
-</p:tagLst>
-</file>
-
-<file path=ppt/tags/tag24.xml><?xml version="1.0" encoding="utf-8"?>
-<p:tagLst xmlns:a="http://schemas.openxmlformats.org/drawingml/2006/main" xmlns:r="http://schemas.openxmlformats.org/officeDocument/2006/relationships" xmlns:p="http://schemas.openxmlformats.org/presentationml/2006/main">
-  <p:tag name="OTLMARKERSHAPE" val="OTL"/>
 </p:tagLst>
 </file>
 
@@ -29852,20 +30145,6 @@
 <file path=ppt/tags/tag30.xml><?xml version="1.0" encoding="utf-8"?>
 <p:tagLst xmlns:a="http://schemas.openxmlformats.org/drawingml/2006/main" xmlns:r="http://schemas.openxmlformats.org/officeDocument/2006/relationships" xmlns:p="http://schemas.openxmlformats.org/presentationml/2006/main">
   <p:tag name="OTLMARKERSHAPE" val="OTL"/>
-  <p:tag name="OTLDATEFORMATSTRING" val="MMM d"/>
-  <p:tag name="OTLDATEFORMATSEPARATOR" val="/"/>
-  <p:tag name="OTLDATEFORMATUSEUS" val="True"/>
-  <p:tag name="OTLDATEFORMATDATEISVISIBLE" val="True"/>
-  <p:tag name="OTLDATEFORMATTIMEISVISIBLE" val="False"/>
-  <p:tag name="OTLDATEFORMATAMPMDESIGNATOR" val="AmPmLowerCase"/>
-  <p:tag name="OTLDATEFORMATHOURDIGITS" val="H"/>
-  <p:tag name="OTLDATEFORMATTRIM00MINUTES" val="False"/>
-  <p:tag name="OTLMTITLE" val="Kick Off"/>
-  <p:tag name="OTLDATE" val="2018-05-10T23:59:00.0000000Z"/>
-  <p:tag name="OTLPOSITIONONTASK" val="None"/>
-  <p:tag name="OTLRELATEDTASKID" val="00000000-0000-0000-0000-000000000000"/>
-  <p:tag name="OTLWEEKNUMBERINGFORMAT" val="WNFormat1"/>
-  <p:tag name="OTLWEEKNUMBERINGISVISIBLE" val="False"/>
 </p:tagLst>
 </file>
 
@@ -29884,6 +30163,20 @@
 <file path=ppt/tags/tag33.xml><?xml version="1.0" encoding="utf-8"?>
 <p:tagLst xmlns:a="http://schemas.openxmlformats.org/drawingml/2006/main" xmlns:r="http://schemas.openxmlformats.org/officeDocument/2006/relationships" xmlns:p="http://schemas.openxmlformats.org/presentationml/2006/main">
   <p:tag name="OTLMARKERSHAPE" val="OTL"/>
+  <p:tag name="OTLDATEFORMATSTRING" val="MMM d"/>
+  <p:tag name="OTLDATEFORMATSEPARATOR" val="/"/>
+  <p:tag name="OTLDATEFORMATUSEUS" val="True"/>
+  <p:tag name="OTLDATEFORMATDATEISVISIBLE" val="True"/>
+  <p:tag name="OTLDATEFORMATTIMEISVISIBLE" val="False"/>
+  <p:tag name="OTLDATEFORMATAMPMDESIGNATOR" val="AmPmLowerCase"/>
+  <p:tag name="OTLDATEFORMATHOURDIGITS" val="H"/>
+  <p:tag name="OTLDATEFORMATTRIM00MINUTES" val="False"/>
+  <p:tag name="OTLMTITLE" val="Kick Off"/>
+  <p:tag name="OTLDATE" val="2018-05-10T23:59:00.0000000Z"/>
+  <p:tag name="OTLPOSITIONONTASK" val="None"/>
+  <p:tag name="OTLRELATEDTASKID" val="00000000-0000-0000-0000-000000000000"/>
+  <p:tag name="OTLWEEKNUMBERINGFORMAT" val="WNFormat1"/>
+  <p:tag name="OTLWEEKNUMBERINGISVISIBLE" val="False"/>
 </p:tagLst>
 </file>
 
@@ -29894,6 +30187,24 @@
 </file>
 
 <file path=ppt/tags/tag35.xml><?xml version="1.0" encoding="utf-8"?>
+<p:tagLst xmlns:a="http://schemas.openxmlformats.org/drawingml/2006/main" xmlns:r="http://schemas.openxmlformats.org/officeDocument/2006/relationships" xmlns:p="http://schemas.openxmlformats.org/presentationml/2006/main">
+  <p:tag name="OTLMARKERSHAPE" val="OTL"/>
+</p:tagLst>
+</file>
+
+<file path=ppt/tags/tag36.xml><?xml version="1.0" encoding="utf-8"?>
+<p:tagLst xmlns:a="http://schemas.openxmlformats.org/drawingml/2006/main" xmlns:r="http://schemas.openxmlformats.org/officeDocument/2006/relationships" xmlns:p="http://schemas.openxmlformats.org/presentationml/2006/main">
+  <p:tag name="OTLMARKERSHAPE" val="OTL"/>
+</p:tagLst>
+</file>
+
+<file path=ppt/tags/tag37.xml><?xml version="1.0" encoding="utf-8"?>
+<p:tagLst xmlns:a="http://schemas.openxmlformats.org/drawingml/2006/main" xmlns:r="http://schemas.openxmlformats.org/officeDocument/2006/relationships" xmlns:p="http://schemas.openxmlformats.org/presentationml/2006/main">
+  <p:tag name="OTLMARKERSHAPE" val="OTL"/>
+</p:tagLst>
+</file>
+
+<file path=ppt/tags/tag38.xml><?xml version="1.0" encoding="utf-8"?>
 <p:tagLst xmlns:a="http://schemas.openxmlformats.org/drawingml/2006/main" xmlns:r="http://schemas.openxmlformats.org/officeDocument/2006/relationships" xmlns:p="http://schemas.openxmlformats.org/presentationml/2006/main">
   <p:tag name="OTLMARKERSHAPE" val="OTL"/>
   <p:tag name="OTLDATEFORMATSTRING" val="MMM d"/>
@@ -29913,13 +30224,19 @@
 </p:tagLst>
 </file>
 
-<file path=ppt/tags/tag36.xml><?xml version="1.0" encoding="utf-8"?>
+<file path=ppt/tags/tag39.xml><?xml version="1.0" encoding="utf-8"?>
 <p:tagLst xmlns:a="http://schemas.openxmlformats.org/drawingml/2006/main" xmlns:r="http://schemas.openxmlformats.org/officeDocument/2006/relationships" xmlns:p="http://schemas.openxmlformats.org/presentationml/2006/main">
   <p:tag name="OTLMARKERSHAPE" val="OTL"/>
 </p:tagLst>
 </file>
 
-<file path=ppt/tags/tag37.xml><?xml version="1.0" encoding="utf-8"?>
+<file path=ppt/tags/tag4.xml><?xml version="1.0" encoding="utf-8"?>
+<p:tagLst xmlns:a="http://schemas.openxmlformats.org/drawingml/2006/main" xmlns:r="http://schemas.openxmlformats.org/officeDocument/2006/relationships" xmlns:p="http://schemas.openxmlformats.org/presentationml/2006/main">
+  <p:tag name="OTLMARKERSHAPE" val="OTL"/>
+</p:tagLst>
+</file>
+
+<file path=ppt/tags/tag40.xml><?xml version="1.0" encoding="utf-8"?>
 <p:tagLst xmlns:a="http://schemas.openxmlformats.org/drawingml/2006/main" xmlns:r="http://schemas.openxmlformats.org/officeDocument/2006/relationships" xmlns:p="http://schemas.openxmlformats.org/presentationml/2006/main">
   <p:tag name="OTLMARKERSHAPE" val="OTL"/>
   <p:tag name="OTLDATEFORMATSTRING" val="MMM d"/>
@@ -29939,13 +30256,13 @@
 </p:tagLst>
 </file>
 
-<file path=ppt/tags/tag38.xml><?xml version="1.0" encoding="utf-8"?>
+<file path=ppt/tags/tag41.xml><?xml version="1.0" encoding="utf-8"?>
 <p:tagLst xmlns:a="http://schemas.openxmlformats.org/drawingml/2006/main" xmlns:r="http://schemas.openxmlformats.org/officeDocument/2006/relationships" xmlns:p="http://schemas.openxmlformats.org/presentationml/2006/main">
   <p:tag name="OTLMARKERSHAPE" val="OTL"/>
 </p:tagLst>
 </file>
 
-<file path=ppt/tags/tag39.xml><?xml version="1.0" encoding="utf-8"?>
+<file path=ppt/tags/tag42.xml><?xml version="1.0" encoding="utf-8"?>
 <p:tagLst xmlns:a="http://schemas.openxmlformats.org/drawingml/2006/main" xmlns:r="http://schemas.openxmlformats.org/officeDocument/2006/relationships" xmlns:p="http://schemas.openxmlformats.org/presentationml/2006/main">
   <p:tag name="OTLMARKERSHAPE" val="OTL"/>
   <p:tag name="OTLDATEFORMATSTRING" val="MMM d"/>
@@ -29962,30 +30279,6 @@
   <p:tag name="OTLRELATEDTASKID" val="00000000-0000-0000-0000-000000000000"/>
   <p:tag name="OTLWEEKNUMBERINGFORMAT" val="WNFormat1"/>
   <p:tag name="OTLWEEKNUMBERINGISVISIBLE" val="False"/>
-</p:tagLst>
-</file>
-
-<file path=ppt/tags/tag4.xml><?xml version="1.0" encoding="utf-8"?>
-<p:tagLst xmlns:a="http://schemas.openxmlformats.org/drawingml/2006/main" xmlns:r="http://schemas.openxmlformats.org/officeDocument/2006/relationships" xmlns:p="http://schemas.openxmlformats.org/presentationml/2006/main">
-  <p:tag name="OTLMARKERSHAPE" val="OTL"/>
-</p:tagLst>
-</file>
-
-<file path=ppt/tags/tag40.xml><?xml version="1.0" encoding="utf-8"?>
-<p:tagLst xmlns:a="http://schemas.openxmlformats.org/drawingml/2006/main" xmlns:r="http://schemas.openxmlformats.org/officeDocument/2006/relationships" xmlns:p="http://schemas.openxmlformats.org/presentationml/2006/main">
-  <p:tag name="OTLMARKERSHAPE" val="OTL"/>
-</p:tagLst>
-</file>
-
-<file path=ppt/tags/tag41.xml><?xml version="1.0" encoding="utf-8"?>
-<p:tagLst xmlns:a="http://schemas.openxmlformats.org/drawingml/2006/main" xmlns:r="http://schemas.openxmlformats.org/officeDocument/2006/relationships" xmlns:p="http://schemas.openxmlformats.org/presentationml/2006/main">
-  <p:tag name="OTLMARKERSHAPE" val="OTL"/>
-</p:tagLst>
-</file>
-
-<file path=ppt/tags/tag42.xml><?xml version="1.0" encoding="utf-8"?>
-<p:tagLst xmlns:a="http://schemas.openxmlformats.org/drawingml/2006/main" xmlns:r="http://schemas.openxmlformats.org/officeDocument/2006/relationships" xmlns:p="http://schemas.openxmlformats.org/presentationml/2006/main">
-  <p:tag name="OTLMARKERSHAPE" val="OTL"/>
 </p:tagLst>
 </file>
 
@@ -30034,10 +30327,52 @@
 <file path=ppt/tags/tag5.xml><?xml version="1.0" encoding="utf-8"?>
 <p:tagLst xmlns:a="http://schemas.openxmlformats.org/drawingml/2006/main" xmlns:r="http://schemas.openxmlformats.org/officeDocument/2006/relationships" xmlns:p="http://schemas.openxmlformats.org/presentationml/2006/main">
   <p:tag name="OTLMARKERSHAPE" val="OTL"/>
+  <p:tag name="OTLTIMEBANDCULTUREINFO" val="en-US"/>
+  <p:tag name="OTLTIMEBANDQUICKPOSITION" val="Custom"/>
+  <p:tag name="OTLTIMEBANDTHREEDEFFECTS" val="Gel"/>
+  <p:tag name="OTLTIMEBANDAUTODATERANGE" val="True"/>
+  <p:tag name="OTLTIMEBANDSTARTDATE" val="2015-05-10T23:59:59.9990000Z"/>
+  <p:tag name="OTLTIMEBANDENDDATE" val="2019-01-30T23:59:00.0000000"/>
+  <p:tag name="OTLTIMEBANDWORKINGDAYS" val="All"/>
+  <p:tag name="OTLTIMEBANDELAPSEDTIMEEXTENSION" val="False"/>
+  <p:tag name="OTLTIMEBANDUSETIME" val="False"/>
+  <p:tag name="OTLTIMEBANDTIMECONFIGWORKDAYSTART" val="00:00:00"/>
+  <p:tag name="OTLTIMEBANDTIMECONFIGWORKDAYEND" val="23:59:00"/>
+  <p:tag name="OTLTIMEBANDAPPENDYEARONYEARCHANGE" val="True"/>
+  <p:tag name="OTLTIMEBANDSCALEMARKING" val="None"/>
+  <p:tag name="OTLRIGHTENDCAPSMARGINRIGHT" val="25"/>
+  <p:tag name="OTLLEFTENDCAPSMARGINLEFT" val="25"/>
+  <p:tag name="OTLTIMEBANDFYSTARTMONTH" val="January"/>
+  <p:tag name="OTLTIMEBANDSHOWFYLABEL" val="True"/>
+  <p:tag name="OTLTIMEBANDUSESTARTINGOFTHEYEARFORFYNUMBERING" val="True"/>
+  <p:tag name="OTLTIMEBANDRESERVEDLEFTAREAWIDTH" val="0"/>
+  <p:tag name="OTLTIMEBANDRESERVEDLEFTAREAISSET" val="False"/>
+  <p:tag name="OTLTIMEBANDSCALEFORMAT" val="MMM"/>
+  <p:tag name="OTLTIMEBANDSCALETYPE" val="Months"/>
+  <p:tag name="OTLTIMEBANDSHAPETYPE" val="RectangleTimeband"/>
+  <p:tag name="OTLTIMEBANDSHAPEHEIGHT" val="30"/>
 </p:tagLst>
 </file>
 
 <file path=ppt/tags/tag50.xml><?xml version="1.0" encoding="utf-8"?>
+<p:tagLst xmlns:a="http://schemas.openxmlformats.org/drawingml/2006/main" xmlns:r="http://schemas.openxmlformats.org/officeDocument/2006/relationships" xmlns:p="http://schemas.openxmlformats.org/presentationml/2006/main">
+  <p:tag name="OTLMARKERSHAPE" val="OTL"/>
+</p:tagLst>
+</file>
+
+<file path=ppt/tags/tag51.xml><?xml version="1.0" encoding="utf-8"?>
+<p:tagLst xmlns:a="http://schemas.openxmlformats.org/drawingml/2006/main" xmlns:r="http://schemas.openxmlformats.org/officeDocument/2006/relationships" xmlns:p="http://schemas.openxmlformats.org/presentationml/2006/main">
+  <p:tag name="OTLMARKERSHAPE" val="OTL"/>
+</p:tagLst>
+</file>
+
+<file path=ppt/tags/tag52.xml><?xml version="1.0" encoding="utf-8"?>
+<p:tagLst xmlns:a="http://schemas.openxmlformats.org/drawingml/2006/main" xmlns:r="http://schemas.openxmlformats.org/officeDocument/2006/relationships" xmlns:p="http://schemas.openxmlformats.org/presentationml/2006/main">
+  <p:tag name="OTLMARKERSHAPE" val="OTL"/>
+</p:tagLst>
+</file>
+
+<file path=ppt/tags/tag53.xml><?xml version="1.0" encoding="utf-8"?>
 <p:tagLst xmlns:a="http://schemas.openxmlformats.org/drawingml/2006/main" xmlns:r="http://schemas.openxmlformats.org/officeDocument/2006/relationships" xmlns:p="http://schemas.openxmlformats.org/presentationml/2006/main">
   <p:tag name="OTLMARKERSHAPE" val="OTL"/>
 </p:tagLst>
@@ -30262,7 +30597,7 @@
   <a:extraClrSchemeLst/>
   <a:extLst>
     <a:ext uri="{05A4C25C-085E-4340-85A3-A5531E510DB2}">
-      <thm15:themeFamily xmlns:thm15="http://schemas.microsoft.com/office/thememl/2012/main" xmlns="" name="BrushVTI" id="{7102FA3A-9D7B-4497-8C4B-FB535AAFDE06}" vid="{C6D41F62-6FAB-440A-BEC7-CB7BF190811F}"/>
+      <thm15:themeFamily xmlns="" xmlns:thm15="http://schemas.microsoft.com/office/thememl/2012/main" name="BrushVTI" id="{7102FA3A-9D7B-4497-8C4B-FB535AAFDE06}" vid="{C6D41F62-6FAB-440A-BEC7-CB7BF190811F}"/>
     </a:ext>
   </a:extLst>
 </a:theme>
@@ -30523,7 +30858,7 @@
   <a:extraClrSchemeLst/>
   <a:extLst>
     <a:ext uri="{05A4C25C-085E-4340-85A3-A5531E510DB2}">
-      <thm15:themeFamily xmlns:thm15="http://schemas.microsoft.com/office/thememl/2012/main" xmlns="" name="Office Theme" id="{62F939B6-93AF-4DB8-9C6B-D6C7DFDC589F}" vid="{4A3C46E8-61CC-4603-A589-7422A47A8E4A}"/>
+      <thm15:themeFamily xmlns="" xmlns:thm15="http://schemas.microsoft.com/office/thememl/2012/main" name="Office Theme" id="{62F939B6-93AF-4DB8-9C6B-D6C7DFDC589F}" vid="{4A3C46E8-61CC-4603-A589-7422A47A8E4A}"/>
     </a:ext>
   </a:extLst>
 </a:theme>
